--- a/Computer Graphics Chapter 7 Presentation.pptx
+++ b/Computer Graphics Chapter 7 Presentation.pptx
@@ -6,21 +6,20 @@
   </p:sldMasterIdLst>
   <p:sldIdLst>
     <p:sldId id="256" r:id="rId2"/>
-    <p:sldId id="263" r:id="rId3"/>
-    <p:sldId id="264" r:id="rId4"/>
-    <p:sldId id="265" r:id="rId5"/>
-    <p:sldId id="266" r:id="rId6"/>
-    <p:sldId id="267" r:id="rId7"/>
-    <p:sldId id="268" r:id="rId8"/>
-    <p:sldId id="269" r:id="rId9"/>
-    <p:sldId id="270" r:id="rId10"/>
-    <p:sldId id="271" r:id="rId11"/>
-    <p:sldId id="272" r:id="rId12"/>
-    <p:sldId id="273" r:id="rId13"/>
-    <p:sldId id="274" r:id="rId14"/>
-    <p:sldId id="275" r:id="rId15"/>
-    <p:sldId id="276" r:id="rId16"/>
-    <p:sldId id="293" r:id="rId17"/>
+    <p:sldId id="264" r:id="rId3"/>
+    <p:sldId id="265" r:id="rId4"/>
+    <p:sldId id="266" r:id="rId5"/>
+    <p:sldId id="267" r:id="rId6"/>
+    <p:sldId id="268" r:id="rId7"/>
+    <p:sldId id="269" r:id="rId8"/>
+    <p:sldId id="270" r:id="rId9"/>
+    <p:sldId id="271" r:id="rId10"/>
+    <p:sldId id="272" r:id="rId11"/>
+    <p:sldId id="273" r:id="rId12"/>
+    <p:sldId id="274" r:id="rId13"/>
+    <p:sldId id="275" r:id="rId14"/>
+    <p:sldId id="276" r:id="rId15"/>
+    <p:sldId id="293" r:id="rId16"/>
   </p:sldIdLst>
   <p:sldSz cx="12192000" cy="6858000"/>
   <p:notesSz cx="6858000" cy="9144000"/>
@@ -119,6 +118,11 @@
       </a:defRPr>
     </a:lvl9pPr>
   </p:defaultTextStyle>
+  <p:extLst>
+    <p:ext uri="{EFAFB233-063F-42B5-8137-9DF3F51BA10A}">
+      <p15:sldGuideLst xmlns:p15="http://schemas.microsoft.com/office/powerpoint/2012/main"/>
+    </p:ext>
+  </p:extLst>
 </p:presentation>
 </file>
 
@@ -269,7 +273,7 @@
           <a:p>
             <a:fld id="{EAB3F291-0871-45E1-B4F3-E53CD0E917EC}" type="datetimeFigureOut">
               <a:rPr lang="en-US" smtClean="0"/>
-              <a:t>11/7/2019</a:t>
+              <a:t>11/13/2019</a:t>
             </a:fld>
             <a:endParaRPr lang="en-US"/>
           </a:p>
@@ -467,7 +471,7 @@
           <a:p>
             <a:fld id="{EAB3F291-0871-45E1-B4F3-E53CD0E917EC}" type="datetimeFigureOut">
               <a:rPr lang="en-US" smtClean="0"/>
-              <a:t>11/7/2019</a:t>
+              <a:t>11/13/2019</a:t>
             </a:fld>
             <a:endParaRPr lang="en-US"/>
           </a:p>
@@ -675,7 +679,7 @@
           <a:p>
             <a:fld id="{EAB3F291-0871-45E1-B4F3-E53CD0E917EC}" type="datetimeFigureOut">
               <a:rPr lang="en-US" smtClean="0"/>
-              <a:t>11/7/2019</a:t>
+              <a:t>11/13/2019</a:t>
             </a:fld>
             <a:endParaRPr lang="en-US"/>
           </a:p>
@@ -873,7 +877,7 @@
           <a:p>
             <a:fld id="{EAB3F291-0871-45E1-B4F3-E53CD0E917EC}" type="datetimeFigureOut">
               <a:rPr lang="en-US" smtClean="0"/>
-              <a:t>11/7/2019</a:t>
+              <a:t>11/13/2019</a:t>
             </a:fld>
             <a:endParaRPr lang="en-US"/>
           </a:p>
@@ -1148,7 +1152,7 @@
           <a:p>
             <a:fld id="{EAB3F291-0871-45E1-B4F3-E53CD0E917EC}" type="datetimeFigureOut">
               <a:rPr lang="en-US" smtClean="0"/>
-              <a:t>11/7/2019</a:t>
+              <a:t>11/13/2019</a:t>
             </a:fld>
             <a:endParaRPr lang="en-US"/>
           </a:p>
@@ -1413,7 +1417,7 @@
           <a:p>
             <a:fld id="{EAB3F291-0871-45E1-B4F3-E53CD0E917EC}" type="datetimeFigureOut">
               <a:rPr lang="en-US" smtClean="0"/>
-              <a:t>11/7/2019</a:t>
+              <a:t>11/13/2019</a:t>
             </a:fld>
             <a:endParaRPr lang="en-US"/>
           </a:p>
@@ -1825,7 +1829,7 @@
           <a:p>
             <a:fld id="{EAB3F291-0871-45E1-B4F3-E53CD0E917EC}" type="datetimeFigureOut">
               <a:rPr lang="en-US" smtClean="0"/>
-              <a:t>11/7/2019</a:t>
+              <a:t>11/13/2019</a:t>
             </a:fld>
             <a:endParaRPr lang="en-US"/>
           </a:p>
@@ -1966,7 +1970,7 @@
           <a:p>
             <a:fld id="{EAB3F291-0871-45E1-B4F3-E53CD0E917EC}" type="datetimeFigureOut">
               <a:rPr lang="en-US" smtClean="0"/>
-              <a:t>11/7/2019</a:t>
+              <a:t>11/13/2019</a:t>
             </a:fld>
             <a:endParaRPr lang="en-US"/>
           </a:p>
@@ -2079,7 +2083,7 @@
           <a:p>
             <a:fld id="{EAB3F291-0871-45E1-B4F3-E53CD0E917EC}" type="datetimeFigureOut">
               <a:rPr lang="en-US" smtClean="0"/>
-              <a:t>11/7/2019</a:t>
+              <a:t>11/13/2019</a:t>
             </a:fld>
             <a:endParaRPr lang="en-US"/>
           </a:p>
@@ -2390,7 +2394,7 @@
           <a:p>
             <a:fld id="{EAB3F291-0871-45E1-B4F3-E53CD0E917EC}" type="datetimeFigureOut">
               <a:rPr lang="en-US" smtClean="0"/>
-              <a:t>11/7/2019</a:t>
+              <a:t>11/13/2019</a:t>
             </a:fld>
             <a:endParaRPr lang="en-US"/>
           </a:p>
@@ -2678,7 +2682,7 @@
           <a:p>
             <a:fld id="{EAB3F291-0871-45E1-B4F3-E53CD0E917EC}" type="datetimeFigureOut">
               <a:rPr lang="en-US" smtClean="0"/>
-              <a:t>11/7/2019</a:t>
+              <a:t>11/13/2019</a:t>
             </a:fld>
             <a:endParaRPr lang="en-US"/>
           </a:p>
@@ -2919,7 +2923,7 @@
           <a:p>
             <a:fld id="{EAB3F291-0871-45E1-B4F3-E53CD0E917EC}" type="datetimeFigureOut">
               <a:rPr lang="en-US" smtClean="0"/>
-              <a:t>11/7/2019</a:t>
+              <a:t>11/13/2019</a:t>
             </a:fld>
             <a:endParaRPr lang="en-US"/>
           </a:p>
@@ -3823,7 +3827,7 @@
           <p:cNvPr id="2" name="Title 1">
             <a:extLst>
               <a:ext uri="{FF2B5EF4-FFF2-40B4-BE49-F238E27FC236}">
-                <a16:creationId xmlns:a16="http://schemas.microsoft.com/office/drawing/2014/main" id="{FC91D608-2AC0-41B2-AD9F-068B87E8E195}"/>
+                <a16:creationId xmlns:a16="http://schemas.microsoft.com/office/drawing/2014/main" id="{8022C9BB-4C06-40DA-BAB4-5CC32B0399D5}"/>
               </a:ext>
             </a:extLst>
           </p:cNvPr>
@@ -3848,7 +3852,7 @@
           <a:p>
             <a:r>
               <a:rPr lang="en-US" sz="4000" dirty="0"/>
-              <a:t>Barycentric coordinates</a:t>
+              <a:t>Anti-Aliasing and Culling</a:t>
             </a:r>
           </a:p>
         </p:txBody>
@@ -3911,7 +3915,7 @@
           <p:cNvPr id="3" name="Content Placeholder 2">
             <a:extLst>
               <a:ext uri="{FF2B5EF4-FFF2-40B4-BE49-F238E27FC236}">
-                <a16:creationId xmlns:a16="http://schemas.microsoft.com/office/drawing/2014/main" id="{E286792B-9F02-4878-BBE2-FD60DAC51EE4}"/>
+                <a16:creationId xmlns:a16="http://schemas.microsoft.com/office/drawing/2014/main" id="{0EFDB806-91F2-4DC2-B630-D3AAA06D546A}"/>
               </a:ext>
             </a:extLst>
           </p:cNvPr>
@@ -3936,27 +3940,35 @@
           <a:p>
             <a:r>
               <a:rPr lang="en-US" sz="2000" dirty="0"/>
-              <a:t>Weighted position based on triangle vertices</a:t>
+              <a:t>To counteract pixelization of rasterization</a:t>
             </a:r>
           </a:p>
           <a:p>
             <a:r>
               <a:rPr lang="en-US" sz="2000" dirty="0"/>
-              <a:t>Used for </a:t>
+              <a:t>Spatial aliasing uses mipmaps</a:t>
             </a:r>
+          </a:p>
+          <a:p>
+            <a:r>
+              <a:rPr lang="en-US" sz="2000" dirty="0"/>
+              <a:t>Culling removes triangles to render</a:t>
+            </a:r>
+          </a:p>
+          <a:p>
             <a:r>
               <a:rPr lang="en-US" sz="2000" dirty="0" err="1"/>
-              <a:t>z-buffer</a:t>
+              <a:t>Backface</a:t>
             </a:r>
             <a:r>
               <a:rPr lang="en-US" sz="2000" dirty="0"/>
-              <a:t> and mapping images</a:t>
+              <a:t> culling removes triangles that face away</a:t>
             </a:r>
           </a:p>
           <a:p>
             <a:r>
               <a:rPr lang="en-US" sz="2000" dirty="0"/>
-              <a:t>Also used for normal and bump mapping</a:t>
+              <a:t>Occlusion culling removes obstructed triangles</a:t>
             </a:r>
           </a:p>
         </p:txBody>
@@ -3964,7 +3976,7 @@
     </p:spTree>
     <p:extLst>
       <p:ext uri="{BB962C8B-B14F-4D97-AF65-F5344CB8AC3E}">
-        <p14:creationId xmlns:p14="http://schemas.microsoft.com/office/powerpoint/2010/main" val="1984839237"/>
+        <p14:creationId xmlns:p14="http://schemas.microsoft.com/office/powerpoint/2010/main" val="612352900"/>
       </p:ext>
     </p:extLst>
   </p:cSld>
@@ -4174,7 +4186,7 @@
           <p:cNvPr id="2" name="Title 1">
             <a:extLst>
               <a:ext uri="{FF2B5EF4-FFF2-40B4-BE49-F238E27FC236}">
-                <a16:creationId xmlns:a16="http://schemas.microsoft.com/office/drawing/2014/main" id="{8022C9BB-4C06-40DA-BAB4-5CC32B0399D5}"/>
+                <a16:creationId xmlns:a16="http://schemas.microsoft.com/office/drawing/2014/main" id="{A3B92068-6F16-4310-A360-1C4714BC6043}"/>
               </a:ext>
             </a:extLst>
           </p:cNvPr>
@@ -4199,7 +4211,7 @@
           <a:p>
             <a:r>
               <a:rPr lang="en-US" sz="4000" dirty="0"/>
-              <a:t>Aliasing and Culling</a:t>
+              <a:t>VR Distortions</a:t>
             </a:r>
           </a:p>
         </p:txBody>
@@ -4262,7 +4274,7 @@
           <p:cNvPr id="3" name="Content Placeholder 2">
             <a:extLst>
               <a:ext uri="{FF2B5EF4-FFF2-40B4-BE49-F238E27FC236}">
-                <a16:creationId xmlns:a16="http://schemas.microsoft.com/office/drawing/2014/main" id="{0EFDB806-91F2-4DC2-B630-D3AAA06D546A}"/>
+                <a16:creationId xmlns:a16="http://schemas.microsoft.com/office/drawing/2014/main" id="{FDF74566-B823-46AE-8A65-3E4B13D20947}"/>
               </a:ext>
             </a:extLst>
           </p:cNvPr>
@@ -4287,43 +4299,71 @@
           <a:p>
             <a:r>
               <a:rPr lang="en-US" sz="2000" dirty="0"/>
-              <a:t>To counteract pixelization of rasterization</a:t>
+              <a:t>Fresnel lens ‘</a:t>
             </a:r>
-          </a:p>
-          <a:p>
-            <a:r>
-              <a:rPr lang="en-US" sz="2000" dirty="0"/>
-              <a:t>Spatial aliasing uses mipmaps</a:t>
-            </a:r>
-          </a:p>
-          <a:p>
-            <a:r>
-              <a:rPr lang="en-US" sz="2000" dirty="0"/>
-              <a:t>Culling removes triangles to render</a:t>
-            </a:r>
-          </a:p>
-          <a:p>
             <a:r>
               <a:rPr lang="en-US" sz="2000" dirty="0" err="1"/>
-              <a:t>Backface</a:t>
+              <a:t>frenelle</a:t>
             </a:r>
             <a:r>
               <a:rPr lang="en-US" sz="2000" dirty="0"/>
-              <a:t> culling removes triangles that face away</a:t>
+              <a:t>’</a:t>
             </a:r>
           </a:p>
           <a:p>
             <a:r>
               <a:rPr lang="en-US" sz="2000" dirty="0"/>
-              <a:t>Occlusion culling removes obstructed triangles</a:t>
+              <a:t>Image rendered with barrel distortion</a:t>
+            </a:r>
+          </a:p>
+          <a:p>
+            <a:r>
+              <a:rPr lang="en-US" sz="2000" dirty="0"/>
+              <a:t>Peripheral pixels become distorted</a:t>
             </a:r>
           </a:p>
         </p:txBody>
       </p:sp>
+      <p:pic>
+        <p:nvPicPr>
+          <p:cNvPr id="7" name="Picture 6" descr="A picture containing building, umbrella&#10;&#10;Description automatically generated">
+            <a:extLst>
+              <a:ext uri="{FF2B5EF4-FFF2-40B4-BE49-F238E27FC236}">
+                <a16:creationId xmlns:a16="http://schemas.microsoft.com/office/drawing/2014/main" id="{25380DA4-6C6E-47C9-B8A4-F69C269DF3E8}"/>
+              </a:ext>
+            </a:extLst>
+          </p:cNvPr>
+          <p:cNvPicPr>
+            <a:picLocks noChangeAspect="1"/>
+          </p:cNvPicPr>
+          <p:nvPr/>
+        </p:nvPicPr>
+        <p:blipFill>
+          <a:blip r:embed="rId2">
+            <a:extLst>
+              <a:ext uri="{28A0092B-C50C-407E-A947-70E740481C1C}">
+                <a14:useLocalDpi xmlns:a14="http://schemas.microsoft.com/office/drawing/2010/main" val="0"/>
+              </a:ext>
+            </a:extLst>
+          </a:blip>
+          <a:stretch>
+            <a:fillRect/>
+          </a:stretch>
+        </p:blipFill>
+        <p:spPr>
+          <a:xfrm>
+            <a:off x="5474266" y="2523774"/>
+            <a:ext cx="4501712" cy="2726389"/>
+          </a:xfrm>
+          <a:prstGeom prst="rect">
+            <a:avLst/>
+          </a:prstGeom>
+        </p:spPr>
+      </p:pic>
     </p:spTree>
     <p:extLst>
       <p:ext uri="{BB962C8B-B14F-4D97-AF65-F5344CB8AC3E}">
-        <p14:creationId xmlns:p14="http://schemas.microsoft.com/office/powerpoint/2010/main" val="612352900"/>
+        <p14:creationId xmlns:p14="http://schemas.microsoft.com/office/powerpoint/2010/main" val="2035553427"/>
       </p:ext>
     </p:extLst>
   </p:cSld>
@@ -4533,7 +4573,7 @@
           <p:cNvPr id="2" name="Title 1">
             <a:extLst>
               <a:ext uri="{FF2B5EF4-FFF2-40B4-BE49-F238E27FC236}">
-                <a16:creationId xmlns:a16="http://schemas.microsoft.com/office/drawing/2014/main" id="{A3B92068-6F16-4310-A360-1C4714BC6043}"/>
+                <a16:creationId xmlns:a16="http://schemas.microsoft.com/office/drawing/2014/main" id="{450B4E42-0B32-475F-9484-B7F5860E71CE}"/>
               </a:ext>
             </a:extLst>
           </p:cNvPr>
@@ -4558,7 +4598,7 @@
           <a:p>
             <a:r>
               <a:rPr lang="en-US" sz="4000" dirty="0"/>
-              <a:t>VR Distortions</a:t>
+              <a:t>Latency</a:t>
             </a:r>
           </a:p>
         </p:txBody>
@@ -4621,7 +4661,7 @@
           <p:cNvPr id="3" name="Content Placeholder 2">
             <a:extLst>
               <a:ext uri="{FF2B5EF4-FFF2-40B4-BE49-F238E27FC236}">
-                <a16:creationId xmlns:a16="http://schemas.microsoft.com/office/drawing/2014/main" id="{FDF74566-B823-46AE-8A65-3E4B13D20947}"/>
+                <a16:creationId xmlns:a16="http://schemas.microsoft.com/office/drawing/2014/main" id="{F00F81C5-6B48-4A6F-B801-FFB338253E16}"/>
               </a:ext>
             </a:extLst>
           </p:cNvPr>
@@ -4646,35 +4686,36 @@
           <a:p>
             <a:r>
               <a:rPr lang="en-US" sz="2000" dirty="0"/>
-              <a:t>Fresnel lens ‘</a:t>
+              <a:t>High motion-to-photon latency can break illusion</a:t>
             </a:r>
-            <a:r>
-              <a:rPr lang="en-US" sz="2000" dirty="0" err="1"/>
-              <a:t>frenelle</a:t>
-            </a:r>
+          </a:p>
+          <a:p>
             <a:r>
               <a:rPr lang="en-US" sz="2000" dirty="0"/>
-              <a:t>’</a:t>
+              <a:t>A fast head turn can cause 10s of pixels of error</a:t>
             </a:r>
           </a:p>
           <a:p>
             <a:r>
               <a:rPr lang="en-US" sz="2000" dirty="0"/>
-              <a:t>Image rendered with barrel distortion</a:t>
+              <a:t>0 latency would be theoretically perfect</a:t>
             </a:r>
           </a:p>
           <a:p>
             <a:r>
               <a:rPr lang="en-US" sz="2000" dirty="0"/>
-              <a:t>Peripheral pixels become distorted</a:t>
+              <a:t>Perfect latency is impossible</a:t>
             </a:r>
+          </a:p>
+          <a:p>
+            <a:endParaRPr lang="en-US" sz="2000" dirty="0"/>
           </a:p>
         </p:txBody>
       </p:sp>
     </p:spTree>
     <p:extLst>
       <p:ext uri="{BB962C8B-B14F-4D97-AF65-F5344CB8AC3E}">
-        <p14:creationId xmlns:p14="http://schemas.microsoft.com/office/powerpoint/2010/main" val="2035553427"/>
+        <p14:creationId xmlns:p14="http://schemas.microsoft.com/office/powerpoint/2010/main" val="824495571"/>
       </p:ext>
     </p:extLst>
   </p:cSld>
@@ -4884,7 +4925,7 @@
           <p:cNvPr id="2" name="Title 1">
             <a:extLst>
               <a:ext uri="{FF2B5EF4-FFF2-40B4-BE49-F238E27FC236}">
-                <a16:creationId xmlns:a16="http://schemas.microsoft.com/office/drawing/2014/main" id="{450B4E42-0B32-475F-9484-B7F5860E71CE}"/>
+                <a16:creationId xmlns:a16="http://schemas.microsoft.com/office/drawing/2014/main" id="{E0C4A29C-7C2A-4D65-A1CE-B5FF39AF679C}"/>
               </a:ext>
             </a:extLst>
           </p:cNvPr>
@@ -4909,7 +4950,7 @@
           <a:p>
             <a:r>
               <a:rPr lang="en-US" sz="4000" dirty="0"/>
-              <a:t>Latency</a:t>
+              <a:t>Reduce Latency</a:t>
             </a:r>
           </a:p>
         </p:txBody>
@@ -4972,7 +5013,7 @@
           <p:cNvPr id="3" name="Content Placeholder 2">
             <a:extLst>
               <a:ext uri="{FF2B5EF4-FFF2-40B4-BE49-F238E27FC236}">
-                <a16:creationId xmlns:a16="http://schemas.microsoft.com/office/drawing/2014/main" id="{F00F81C5-6B48-4A6F-B801-FFB338253E16}"/>
+                <a16:creationId xmlns:a16="http://schemas.microsoft.com/office/drawing/2014/main" id="{4DDC94EC-7B9D-4C09-BC9B-6A0622B54D2C}"/>
               </a:ext>
             </a:extLst>
           </p:cNvPr>
@@ -4997,36 +5038,39 @@
           <a:p>
             <a:r>
               <a:rPr lang="en-US" sz="2000" dirty="0"/>
-              <a:t>High motion-to-photon latency can break illusion</a:t>
+              <a:t>Lower world complexity</a:t>
             </a:r>
           </a:p>
           <a:p>
             <a:r>
               <a:rPr lang="en-US" sz="2000" dirty="0"/>
-              <a:t>A fast head turn can cause 10s of pixels of error</a:t>
+              <a:t>Improve rendering pipeline and double buffer</a:t>
             </a:r>
           </a:p>
           <a:p>
             <a:r>
               <a:rPr lang="en-US" sz="2000" dirty="0"/>
-              <a:t>0 latency would be theoretically perfect</a:t>
+              <a:t>Use prediction</a:t>
             </a:r>
           </a:p>
           <a:p>
             <a:r>
               <a:rPr lang="en-US" sz="2000" dirty="0"/>
-              <a:t>Perfect latency is impossible</a:t>
+              <a:t>Distort rendered image to compensate</a:t>
             </a:r>
           </a:p>
           <a:p>
-            <a:endParaRPr lang="en-US" sz="2000" dirty="0"/>
+            <a:r>
+              <a:rPr lang="en-US" sz="2000" dirty="0"/>
+              <a:t>Increase framerate</a:t>
+            </a:r>
           </a:p>
         </p:txBody>
       </p:sp>
     </p:spTree>
     <p:extLst>
       <p:ext uri="{BB962C8B-B14F-4D97-AF65-F5344CB8AC3E}">
-        <p14:creationId xmlns:p14="http://schemas.microsoft.com/office/powerpoint/2010/main" val="824495571"/>
+        <p14:creationId xmlns:p14="http://schemas.microsoft.com/office/powerpoint/2010/main" val="3744156908"/>
       </p:ext>
     </p:extLst>
   </p:cSld>
@@ -5236,7 +5280,7 @@
           <p:cNvPr id="2" name="Title 1">
             <a:extLst>
               <a:ext uri="{FF2B5EF4-FFF2-40B4-BE49-F238E27FC236}">
-                <a16:creationId xmlns:a16="http://schemas.microsoft.com/office/drawing/2014/main" id="{E0C4A29C-7C2A-4D65-A1CE-B5FF39AF679C}"/>
+                <a16:creationId xmlns:a16="http://schemas.microsoft.com/office/drawing/2014/main" id="{5962E07E-A550-4FC9-9728-F16B692A2E56}"/>
               </a:ext>
             </a:extLst>
           </p:cNvPr>
@@ -5261,7 +5305,7 @@
           <a:p>
             <a:r>
               <a:rPr lang="en-US" sz="4000" dirty="0"/>
-              <a:t>Reduce Latency</a:t>
+              <a:t>Immersive Photos</a:t>
             </a:r>
           </a:p>
         </p:txBody>
@@ -5324,7 +5368,7 @@
           <p:cNvPr id="3" name="Content Placeholder 2">
             <a:extLst>
               <a:ext uri="{FF2B5EF4-FFF2-40B4-BE49-F238E27FC236}">
-                <a16:creationId xmlns:a16="http://schemas.microsoft.com/office/drawing/2014/main" id="{4DDC94EC-7B9D-4C09-BC9B-6A0622B54D2C}"/>
+                <a16:creationId xmlns:a16="http://schemas.microsoft.com/office/drawing/2014/main" id="{4BAF99A7-3E5F-4F0F-BEEE-821700E777B2}"/>
               </a:ext>
             </a:extLst>
           </p:cNvPr>
@@ -5349,31 +5393,25 @@
           <a:p>
             <a:r>
               <a:rPr lang="en-US" sz="2000" dirty="0"/>
-              <a:t>Lower world complexity</a:t>
+              <a:t>Mapping onto a screen</a:t>
             </a:r>
           </a:p>
           <a:p>
             <a:r>
               <a:rPr lang="en-US" sz="2000" dirty="0"/>
-              <a:t>Improve rendering pipeline and double buffer</a:t>
+              <a:t>Using 3d camera</a:t>
             </a:r>
           </a:p>
           <a:p>
             <a:r>
               <a:rPr lang="en-US" sz="2000" dirty="0"/>
-              <a:t>Use prediction</a:t>
+              <a:t>Map onto sphere</a:t>
             </a:r>
           </a:p>
           <a:p>
             <a:r>
               <a:rPr lang="en-US" sz="2000" dirty="0"/>
-              <a:t>Distort rendered image to compensate</a:t>
-            </a:r>
-          </a:p>
-          <a:p>
-            <a:r>
-              <a:rPr lang="en-US" sz="2000" dirty="0"/>
-              <a:t>Increase framerate</a:t>
+              <a:t>Panoramic light fields</a:t>
             </a:r>
           </a:p>
         </p:txBody>
@@ -5381,7 +5419,7 @@
     </p:spTree>
     <p:extLst>
       <p:ext uri="{BB962C8B-B14F-4D97-AF65-F5344CB8AC3E}">
-        <p14:creationId xmlns:p14="http://schemas.microsoft.com/office/powerpoint/2010/main" val="3744156908"/>
+        <p14:creationId xmlns:p14="http://schemas.microsoft.com/office/powerpoint/2010/main" val="881968651"/>
       </p:ext>
     </p:extLst>
   </p:cSld>
@@ -5392,6 +5430,302 @@
 </file>
 
 <file path=ppt/slides/slide15.xml><?xml version="1.0" encoding="utf-8"?>
+<p:sld xmlns:a="http://schemas.openxmlformats.org/drawingml/2006/main" xmlns:r="http://schemas.openxmlformats.org/officeDocument/2006/relationships" xmlns:p="http://schemas.openxmlformats.org/presentationml/2006/main">
+  <p:cSld>
+    <p:bg>
+      <p:bgPr>
+        <a:solidFill>
+          <a:schemeClr val="tx1"/>
+        </a:solidFill>
+        <a:effectLst/>
+      </p:bgPr>
+    </p:bg>
+    <p:spTree>
+      <p:nvGrpSpPr>
+        <p:cNvPr id="1" name=""/>
+        <p:cNvGrpSpPr/>
+        <p:nvPr/>
+      </p:nvGrpSpPr>
+      <p:grpSpPr>
+        <a:xfrm>
+          <a:off x="0" y="0"/>
+          <a:ext cx="0" cy="0"/>
+          <a:chOff x="0" y="0"/>
+          <a:chExt cx="0" cy="0"/>
+        </a:xfrm>
+      </p:grpSpPr>
+      <p:sp>
+        <p:nvSpPr>
+          <p:cNvPr id="8" name="Rectangle 7">
+            <a:extLst>
+              <a:ext uri="{FF2B5EF4-FFF2-40B4-BE49-F238E27FC236}">
+                <a16:creationId xmlns:a16="http://schemas.microsoft.com/office/drawing/2014/main" id="{2A8AA5BC-4F7A-4226-8F99-6D824B226A97}"/>
+              </a:ext>
+              <a:ext uri="{C183D7F6-B498-43B3-948B-1728B52AA6E4}">
+                <adec:decorative xmlns:adec="http://schemas.microsoft.com/office/drawing/2017/decorative" val="1"/>
+              </a:ext>
+            </a:extLst>
+          </p:cNvPr>
+          <p:cNvSpPr>
+            <a:spLocks noGrp="1" noRot="1" noChangeAspect="1" noMove="1" noResize="1" noEditPoints="1" noAdjustHandles="1" noChangeArrowheads="1" noChangeShapeType="1" noTextEdit="1"/>
+          </p:cNvSpPr>
+          <p:nvPr>
+            <p:extLst>
+              <p:ext uri="{386F3935-93C4-4BCD-93E2-E3B085C9AB24}">
+                <p16:designElem xmlns:p16="http://schemas.microsoft.com/office/powerpoint/2015/main" val="1"/>
+              </p:ext>
+            </p:extLst>
+          </p:nvPr>
+        </p:nvSpPr>
+        <p:spPr>
+          <a:xfrm>
+            <a:off x="0" y="-3324"/>
+            <a:ext cx="12192000" cy="6861324"/>
+          </a:xfrm>
+          <a:prstGeom prst="rect">
+            <a:avLst/>
+          </a:prstGeom>
+          <a:solidFill>
+            <a:schemeClr val="tx1"/>
+          </a:solidFill>
+          <a:ln>
+            <a:noFill/>
+          </a:ln>
+        </p:spPr>
+        <p:style>
+          <a:lnRef idx="2">
+            <a:schemeClr val="accent1">
+              <a:shade val="50000"/>
+            </a:schemeClr>
+          </a:lnRef>
+          <a:fillRef idx="1">
+            <a:schemeClr val="accent1"/>
+          </a:fillRef>
+          <a:effectRef idx="0">
+            <a:schemeClr val="accent1"/>
+          </a:effectRef>
+          <a:fontRef idx="minor">
+            <a:schemeClr val="lt1"/>
+          </a:fontRef>
+        </p:style>
+        <p:txBody>
+          <a:bodyPr rtlCol="0" anchor="ctr"/>
+          <a:lstStyle/>
+          <a:p>
+            <a:pPr algn="ctr"/>
+            <a:endParaRPr lang="en-US"/>
+          </a:p>
+        </p:txBody>
+      </p:sp>
+      <p:sp>
+        <p:nvSpPr>
+          <p:cNvPr id="10" name="Rectangle 9">
+            <a:extLst>
+              <a:ext uri="{FF2B5EF4-FFF2-40B4-BE49-F238E27FC236}">
+                <a16:creationId xmlns:a16="http://schemas.microsoft.com/office/drawing/2014/main" id="{3E5445C6-DD42-4979-86FF-03730E8C6DB0}"/>
+              </a:ext>
+              <a:ext uri="{C183D7F6-B498-43B3-948B-1728B52AA6E4}">
+                <adec:decorative xmlns:adec="http://schemas.microsoft.com/office/drawing/2017/decorative" val="1"/>
+              </a:ext>
+            </a:extLst>
+          </p:cNvPr>
+          <p:cNvSpPr>
+            <a:spLocks noGrp="1" noRot="1" noChangeAspect="1" noMove="1" noResize="1" noEditPoints="1" noAdjustHandles="1" noChangeArrowheads="1" noChangeShapeType="1" noTextEdit="1"/>
+          </p:cNvSpPr>
+          <p:nvPr>
+            <p:extLst>
+              <p:ext uri="{386F3935-93C4-4BCD-93E2-E3B085C9AB24}">
+                <p16:designElem xmlns:p16="http://schemas.microsoft.com/office/powerpoint/2015/main" val="1"/>
+              </p:ext>
+            </p:extLst>
+          </p:nvPr>
+        </p:nvSpPr>
+        <p:spPr bwMode="ltGray">
+          <a:xfrm>
+            <a:off x="321734" y="321733"/>
+            <a:ext cx="11573488" cy="6214534"/>
+          </a:xfrm>
+          <a:prstGeom prst="rect">
+            <a:avLst/>
+          </a:prstGeom>
+          <a:solidFill>
+            <a:schemeClr val="bg1">
+              <a:lumMod val="75000"/>
+              <a:lumOff val="25000"/>
+            </a:schemeClr>
+          </a:solidFill>
+          <a:ln w="127000" cap="sq" cmpd="thinThick">
+            <a:solidFill>
+              <a:schemeClr val="bg1">
+                <a:lumMod val="75000"/>
+                <a:lumOff val="25000"/>
+              </a:schemeClr>
+            </a:solidFill>
+          </a:ln>
+        </p:spPr>
+        <p:style>
+          <a:lnRef idx="2">
+            <a:schemeClr val="accent1">
+              <a:shade val="50000"/>
+            </a:schemeClr>
+          </a:lnRef>
+          <a:fillRef idx="1">
+            <a:schemeClr val="accent1"/>
+          </a:fillRef>
+          <a:effectRef idx="0">
+            <a:schemeClr val="accent1"/>
+          </a:effectRef>
+          <a:fontRef idx="minor">
+            <a:schemeClr val="lt1"/>
+          </a:fontRef>
+        </p:style>
+        <p:txBody>
+          <a:bodyPr rtlCol="0" anchor="ctr"/>
+          <a:lstStyle/>
+          <a:p>
+            <a:pPr algn="ctr"/>
+            <a:endParaRPr lang="en-US"/>
+          </a:p>
+        </p:txBody>
+      </p:sp>
+      <p:sp>
+        <p:nvSpPr>
+          <p:cNvPr id="2" name="Title 1">
+            <a:extLst>
+              <a:ext uri="{FF2B5EF4-FFF2-40B4-BE49-F238E27FC236}">
+                <a16:creationId xmlns:a16="http://schemas.microsoft.com/office/drawing/2014/main" id="{4D9054D6-C1EA-4032-B996-40C9AEC40B5E}"/>
+              </a:ext>
+            </a:extLst>
+          </p:cNvPr>
+          <p:cNvSpPr>
+            <a:spLocks noGrp="1"/>
+          </p:cNvSpPr>
+          <p:nvPr>
+            <p:ph type="ctrTitle"/>
+          </p:nvPr>
+        </p:nvSpPr>
+        <p:spPr>
+          <a:xfrm>
+            <a:off x="1524000" y="1122362"/>
+            <a:ext cx="9144000" cy="2840037"/>
+          </a:xfrm>
+        </p:spPr>
+        <p:txBody>
+          <a:bodyPr>
+            <a:normAutofit/>
+          </a:bodyPr>
+          <a:lstStyle/>
+          <a:p>
+            <a:r>
+              <a:rPr lang="en-US" sz="5800" dirty="0"/>
+              <a:t>Thank You</a:t>
+            </a:r>
+          </a:p>
+        </p:txBody>
+      </p:sp>
+      <p:sp>
+        <p:nvSpPr>
+          <p:cNvPr id="3" name="Subtitle 2">
+            <a:extLst>
+              <a:ext uri="{FF2B5EF4-FFF2-40B4-BE49-F238E27FC236}">
+                <a16:creationId xmlns:a16="http://schemas.microsoft.com/office/drawing/2014/main" id="{01C1684C-2A07-464E-B32E-9858D8B1CEBD}"/>
+              </a:ext>
+            </a:extLst>
+          </p:cNvPr>
+          <p:cNvSpPr>
+            <a:spLocks noGrp="1"/>
+          </p:cNvSpPr>
+          <p:nvPr>
+            <p:ph type="subTitle" idx="1"/>
+          </p:nvPr>
+        </p:nvSpPr>
+        <p:spPr>
+          <a:xfrm>
+            <a:off x="1524000" y="4256436"/>
+            <a:ext cx="9144000" cy="1600818"/>
+          </a:xfrm>
+        </p:spPr>
+        <p:txBody>
+          <a:bodyPr>
+            <a:normAutofit/>
+          </a:bodyPr>
+          <a:lstStyle/>
+          <a:p>
+            <a:r>
+              <a:rPr lang="en-US" dirty="0"/>
+              <a:t>Beck Peterson</a:t>
+            </a:r>
+          </a:p>
+        </p:txBody>
+      </p:sp>
+      <p:cxnSp>
+        <p:nvCxnSpPr>
+          <p:cNvPr id="12" name="Straight Connector 11">
+            <a:extLst>
+              <a:ext uri="{FF2B5EF4-FFF2-40B4-BE49-F238E27FC236}">
+                <a16:creationId xmlns:a16="http://schemas.microsoft.com/office/drawing/2014/main" id="{45000665-DFC7-417E-8FD7-516A0F15C975}"/>
+              </a:ext>
+              <a:ext uri="{C183D7F6-B498-43B3-948B-1728B52AA6E4}">
+                <adec:decorative xmlns:adec="http://schemas.microsoft.com/office/drawing/2017/decorative" val="1"/>
+              </a:ext>
+            </a:extLst>
+          </p:cNvPr>
+          <p:cNvCxnSpPr>
+            <a:cxnSpLocks noGrp="1" noRot="1" noChangeAspect="1" noMove="1" noResize="1" noEditPoints="1" noAdjustHandles="1" noChangeArrowheads="1" noChangeShapeType="1"/>
+          </p:cNvCxnSpPr>
+          <p:nvPr>
+            <p:extLst>
+              <p:ext uri="{386F3935-93C4-4BCD-93E2-E3B085C9AB24}">
+                <p16:designElem xmlns:p16="http://schemas.microsoft.com/office/powerpoint/2015/main" val="1"/>
+              </p:ext>
+            </p:extLst>
+          </p:nvPr>
+        </p:nvCxnSpPr>
+        <p:spPr>
+          <a:xfrm>
+            <a:off x="4724400" y="4109417"/>
+            <a:ext cx="2743200" cy="0"/>
+          </a:xfrm>
+          <a:prstGeom prst="line">
+            <a:avLst/>
+          </a:prstGeom>
+          <a:ln w="12700">
+            <a:solidFill>
+              <a:schemeClr val="tx1">
+                <a:lumMod val="85000"/>
+              </a:schemeClr>
+            </a:solidFill>
+          </a:ln>
+        </p:spPr>
+        <p:style>
+          <a:lnRef idx="1">
+            <a:schemeClr val="accent1"/>
+          </a:lnRef>
+          <a:fillRef idx="0">
+            <a:schemeClr val="accent1"/>
+          </a:fillRef>
+          <a:effectRef idx="0">
+            <a:schemeClr val="accent1"/>
+          </a:effectRef>
+          <a:fontRef idx="minor">
+            <a:schemeClr val="tx1"/>
+          </a:fontRef>
+        </p:style>
+      </p:cxnSp>
+    </p:spTree>
+    <p:extLst>
+      <p:ext uri="{BB962C8B-B14F-4D97-AF65-F5344CB8AC3E}">
+        <p14:creationId xmlns:p14="http://schemas.microsoft.com/office/powerpoint/2010/main" val="4171645830"/>
+      </p:ext>
+    </p:extLst>
+  </p:cSld>
+  <p:clrMapOvr>
+    <a:overrideClrMapping bg1="dk1" tx1="lt1" bg2="dk2" tx2="lt2" accent1="accent1" accent2="accent2" accent3="accent3" accent4="accent4" accent5="accent5" accent6="accent6" hlink="hlink" folHlink="folHlink"/>
+  </p:clrMapOvr>
+</p:sld>
+</file>
+
+<file path=ppt/slides/slide2.xml><?xml version="1.0" encoding="utf-8"?>
 <p:sld xmlns:a="http://schemas.openxmlformats.org/drawingml/2006/main" xmlns:r="http://schemas.openxmlformats.org/officeDocument/2006/relationships" xmlns:p="http://schemas.openxmlformats.org/presentationml/2006/main">
   <p:cSld>
     <p:bg>
@@ -5586,41 +5920,6 @@
           </a:p>
         </p:txBody>
       </p:sp>
-      <p:sp>
-        <p:nvSpPr>
-          <p:cNvPr id="2" name="Title 1">
-            <a:extLst>
-              <a:ext uri="{FF2B5EF4-FFF2-40B4-BE49-F238E27FC236}">
-                <a16:creationId xmlns:a16="http://schemas.microsoft.com/office/drawing/2014/main" id="{5962E07E-A550-4FC9-9728-F16B692A2E56}"/>
-              </a:ext>
-            </a:extLst>
-          </p:cNvPr>
-          <p:cNvSpPr>
-            <a:spLocks noGrp="1"/>
-          </p:cNvSpPr>
-          <p:nvPr>
-            <p:ph type="title"/>
-          </p:nvPr>
-        </p:nvSpPr>
-        <p:spPr>
-          <a:xfrm>
-            <a:off x="655320" y="365125"/>
-            <a:ext cx="9013052" cy="1623312"/>
-          </a:xfrm>
-        </p:spPr>
-        <p:txBody>
-          <a:bodyPr anchor="b">
-            <a:normAutofit/>
-          </a:bodyPr>
-          <a:lstStyle/>
-          <a:p>
-            <a:r>
-              <a:rPr lang="en-US" sz="4000" dirty="0"/>
-              <a:t>Immersive Photos</a:t>
-            </a:r>
-          </a:p>
-        </p:txBody>
-      </p:sp>
       <p:cxnSp>
         <p:nvCxnSpPr>
           <p:cNvPr id="10" name="Straight Arrow Connector 9">
@@ -5674,955 +5973,8 @@
           </a:fontRef>
         </p:style>
       </p:cxnSp>
-      <p:sp>
-        <p:nvSpPr>
-          <p:cNvPr id="3" name="Content Placeholder 2">
-            <a:extLst>
-              <a:ext uri="{FF2B5EF4-FFF2-40B4-BE49-F238E27FC236}">
-                <a16:creationId xmlns:a16="http://schemas.microsoft.com/office/drawing/2014/main" id="{4BAF99A7-3E5F-4F0F-BEEE-821700E777B2}"/>
-              </a:ext>
-            </a:extLst>
-          </p:cNvPr>
-          <p:cNvSpPr>
-            <a:spLocks noGrp="1"/>
-          </p:cNvSpPr>
-          <p:nvPr>
-            <p:ph idx="1"/>
-          </p:nvPr>
-        </p:nvSpPr>
-        <p:spPr>
-          <a:xfrm>
-            <a:off x="655320" y="2644518"/>
-            <a:ext cx="9013052" cy="3327251"/>
-          </a:xfrm>
-        </p:spPr>
-        <p:txBody>
-          <a:bodyPr>
-            <a:normAutofit/>
-          </a:bodyPr>
-          <a:lstStyle/>
-          <a:p>
-            <a:r>
-              <a:rPr lang="en-US" sz="2000" dirty="0"/>
-              <a:t>Mapping onto a screen</a:t>
-            </a:r>
-          </a:p>
-          <a:p>
-            <a:r>
-              <a:rPr lang="en-US" sz="2000" dirty="0"/>
-              <a:t>Using 3d camera</a:t>
-            </a:r>
-          </a:p>
-          <a:p>
-            <a:r>
-              <a:rPr lang="en-US" sz="2000" dirty="0"/>
-              <a:t>Map onto sphere</a:t>
-            </a:r>
-          </a:p>
-          <a:p>
-            <a:r>
-              <a:rPr lang="en-US" sz="2000" dirty="0"/>
-              <a:t>Panoramic light fields</a:t>
-            </a:r>
-          </a:p>
-        </p:txBody>
-      </p:sp>
-    </p:spTree>
-    <p:extLst>
-      <p:ext uri="{BB962C8B-B14F-4D97-AF65-F5344CB8AC3E}">
-        <p14:creationId xmlns:p14="http://schemas.microsoft.com/office/powerpoint/2010/main" val="881968651"/>
-      </p:ext>
-    </p:extLst>
-  </p:cSld>
-  <p:clrMapOvr>
-    <a:overrideClrMapping bg1="dk1" tx1="lt1" bg2="dk2" tx2="lt2" accent1="accent1" accent2="accent2" accent3="accent3" accent4="accent4" accent5="accent5" accent6="accent6" hlink="hlink" folHlink="folHlink"/>
-  </p:clrMapOvr>
-</p:sld>
-</file>
-
-<file path=ppt/slides/slide16.xml><?xml version="1.0" encoding="utf-8"?>
-<p:sld xmlns:a="http://schemas.openxmlformats.org/drawingml/2006/main" xmlns:r="http://schemas.openxmlformats.org/officeDocument/2006/relationships" xmlns:p="http://schemas.openxmlformats.org/presentationml/2006/main">
-  <p:cSld>
-    <p:bg>
-      <p:bgPr>
-        <a:solidFill>
-          <a:schemeClr val="tx1"/>
-        </a:solidFill>
-        <a:effectLst/>
-      </p:bgPr>
-    </p:bg>
-    <p:spTree>
-      <p:nvGrpSpPr>
-        <p:cNvPr id="1" name=""/>
-        <p:cNvGrpSpPr/>
-        <p:nvPr/>
-      </p:nvGrpSpPr>
-      <p:grpSpPr>
-        <a:xfrm>
-          <a:off x="0" y="0"/>
-          <a:ext cx="0" cy="0"/>
-          <a:chOff x="0" y="0"/>
-          <a:chExt cx="0" cy="0"/>
-        </a:xfrm>
-      </p:grpSpPr>
-      <p:sp>
-        <p:nvSpPr>
-          <p:cNvPr id="8" name="Rectangle 7">
-            <a:extLst>
-              <a:ext uri="{FF2B5EF4-FFF2-40B4-BE49-F238E27FC236}">
-                <a16:creationId xmlns:a16="http://schemas.microsoft.com/office/drawing/2014/main" id="{2A8AA5BC-4F7A-4226-8F99-6D824B226A97}"/>
-              </a:ext>
-              <a:ext uri="{C183D7F6-B498-43B3-948B-1728B52AA6E4}">
-                <adec:decorative xmlns:adec="http://schemas.microsoft.com/office/drawing/2017/decorative" val="1"/>
-              </a:ext>
-            </a:extLst>
-          </p:cNvPr>
-          <p:cNvSpPr>
-            <a:spLocks noGrp="1" noRot="1" noChangeAspect="1" noMove="1" noResize="1" noEditPoints="1" noAdjustHandles="1" noChangeArrowheads="1" noChangeShapeType="1" noTextEdit="1"/>
-          </p:cNvSpPr>
-          <p:nvPr>
-            <p:extLst>
-              <p:ext uri="{386F3935-93C4-4BCD-93E2-E3B085C9AB24}">
-                <p16:designElem xmlns:p16="http://schemas.microsoft.com/office/powerpoint/2015/main" val="1"/>
-              </p:ext>
-            </p:extLst>
-          </p:nvPr>
-        </p:nvSpPr>
-        <p:spPr>
-          <a:xfrm>
-            <a:off x="0" y="-3324"/>
-            <a:ext cx="12192000" cy="6861324"/>
-          </a:xfrm>
-          <a:prstGeom prst="rect">
-            <a:avLst/>
-          </a:prstGeom>
-          <a:solidFill>
-            <a:schemeClr val="tx1"/>
-          </a:solidFill>
-          <a:ln>
-            <a:noFill/>
-          </a:ln>
-        </p:spPr>
-        <p:style>
-          <a:lnRef idx="2">
-            <a:schemeClr val="accent1">
-              <a:shade val="50000"/>
-            </a:schemeClr>
-          </a:lnRef>
-          <a:fillRef idx="1">
-            <a:schemeClr val="accent1"/>
-          </a:fillRef>
-          <a:effectRef idx="0">
-            <a:schemeClr val="accent1"/>
-          </a:effectRef>
-          <a:fontRef idx="minor">
-            <a:schemeClr val="lt1"/>
-          </a:fontRef>
-        </p:style>
-        <p:txBody>
-          <a:bodyPr rtlCol="0" anchor="ctr"/>
-          <a:lstStyle/>
-          <a:p>
-            <a:pPr algn="ctr"/>
-            <a:endParaRPr lang="en-US"/>
-          </a:p>
-        </p:txBody>
-      </p:sp>
-      <p:sp>
-        <p:nvSpPr>
-          <p:cNvPr id="10" name="Rectangle 9">
-            <a:extLst>
-              <a:ext uri="{FF2B5EF4-FFF2-40B4-BE49-F238E27FC236}">
-                <a16:creationId xmlns:a16="http://schemas.microsoft.com/office/drawing/2014/main" id="{3E5445C6-DD42-4979-86FF-03730E8C6DB0}"/>
-              </a:ext>
-              <a:ext uri="{C183D7F6-B498-43B3-948B-1728B52AA6E4}">
-                <adec:decorative xmlns:adec="http://schemas.microsoft.com/office/drawing/2017/decorative" val="1"/>
-              </a:ext>
-            </a:extLst>
-          </p:cNvPr>
-          <p:cNvSpPr>
-            <a:spLocks noGrp="1" noRot="1" noChangeAspect="1" noMove="1" noResize="1" noEditPoints="1" noAdjustHandles="1" noChangeArrowheads="1" noChangeShapeType="1" noTextEdit="1"/>
-          </p:cNvSpPr>
-          <p:nvPr>
-            <p:extLst>
-              <p:ext uri="{386F3935-93C4-4BCD-93E2-E3B085C9AB24}">
-                <p16:designElem xmlns:p16="http://schemas.microsoft.com/office/powerpoint/2015/main" val="1"/>
-              </p:ext>
-            </p:extLst>
-          </p:nvPr>
-        </p:nvSpPr>
-        <p:spPr bwMode="ltGray">
-          <a:xfrm>
-            <a:off x="321734" y="321733"/>
-            <a:ext cx="11573488" cy="6214534"/>
-          </a:xfrm>
-          <a:prstGeom prst="rect">
-            <a:avLst/>
-          </a:prstGeom>
-          <a:solidFill>
-            <a:schemeClr val="bg1">
-              <a:lumMod val="75000"/>
-              <a:lumOff val="25000"/>
-            </a:schemeClr>
-          </a:solidFill>
-          <a:ln w="127000" cap="sq" cmpd="thinThick">
-            <a:solidFill>
-              <a:schemeClr val="bg1">
-                <a:lumMod val="75000"/>
-                <a:lumOff val="25000"/>
-              </a:schemeClr>
-            </a:solidFill>
-          </a:ln>
-        </p:spPr>
-        <p:style>
-          <a:lnRef idx="2">
-            <a:schemeClr val="accent1">
-              <a:shade val="50000"/>
-            </a:schemeClr>
-          </a:lnRef>
-          <a:fillRef idx="1">
-            <a:schemeClr val="accent1"/>
-          </a:fillRef>
-          <a:effectRef idx="0">
-            <a:schemeClr val="accent1"/>
-          </a:effectRef>
-          <a:fontRef idx="minor">
-            <a:schemeClr val="lt1"/>
-          </a:fontRef>
-        </p:style>
-        <p:txBody>
-          <a:bodyPr rtlCol="0" anchor="ctr"/>
-          <a:lstStyle/>
-          <a:p>
-            <a:pPr algn="ctr"/>
-            <a:endParaRPr lang="en-US"/>
-          </a:p>
-        </p:txBody>
-      </p:sp>
-      <p:sp>
-        <p:nvSpPr>
-          <p:cNvPr id="2" name="Title 1">
-            <a:extLst>
-              <a:ext uri="{FF2B5EF4-FFF2-40B4-BE49-F238E27FC236}">
-                <a16:creationId xmlns:a16="http://schemas.microsoft.com/office/drawing/2014/main" id="{4D9054D6-C1EA-4032-B996-40C9AEC40B5E}"/>
-              </a:ext>
-            </a:extLst>
-          </p:cNvPr>
-          <p:cNvSpPr>
-            <a:spLocks noGrp="1"/>
-          </p:cNvSpPr>
-          <p:nvPr>
-            <p:ph type="ctrTitle"/>
-          </p:nvPr>
-        </p:nvSpPr>
-        <p:spPr>
-          <a:xfrm>
-            <a:off x="1524000" y="1122362"/>
-            <a:ext cx="9144000" cy="2840037"/>
-          </a:xfrm>
-        </p:spPr>
-        <p:txBody>
-          <a:bodyPr>
-            <a:normAutofit/>
-          </a:bodyPr>
-          <a:lstStyle/>
-          <a:p>
-            <a:r>
-              <a:rPr lang="en-US" sz="5800" dirty="0"/>
-              <a:t>Thank You</a:t>
-            </a:r>
-          </a:p>
-        </p:txBody>
-      </p:sp>
-      <p:sp>
-        <p:nvSpPr>
-          <p:cNvPr id="3" name="Subtitle 2">
-            <a:extLst>
-              <a:ext uri="{FF2B5EF4-FFF2-40B4-BE49-F238E27FC236}">
-                <a16:creationId xmlns:a16="http://schemas.microsoft.com/office/drawing/2014/main" id="{01C1684C-2A07-464E-B32E-9858D8B1CEBD}"/>
-              </a:ext>
-            </a:extLst>
-          </p:cNvPr>
-          <p:cNvSpPr>
-            <a:spLocks noGrp="1"/>
-          </p:cNvSpPr>
-          <p:nvPr>
-            <p:ph type="subTitle" idx="1"/>
-          </p:nvPr>
-        </p:nvSpPr>
-        <p:spPr>
-          <a:xfrm>
-            <a:off x="1524000" y="4256436"/>
-            <a:ext cx="9144000" cy="1600818"/>
-          </a:xfrm>
-        </p:spPr>
-        <p:txBody>
-          <a:bodyPr>
-            <a:normAutofit/>
-          </a:bodyPr>
-          <a:lstStyle/>
-          <a:p>
-            <a:r>
-              <a:rPr lang="en-US" dirty="0"/>
-              <a:t>Beck Peterson</a:t>
-            </a:r>
-          </a:p>
-        </p:txBody>
-      </p:sp>
-      <p:cxnSp>
-        <p:nvCxnSpPr>
-          <p:cNvPr id="12" name="Straight Connector 11">
-            <a:extLst>
-              <a:ext uri="{FF2B5EF4-FFF2-40B4-BE49-F238E27FC236}">
-                <a16:creationId xmlns:a16="http://schemas.microsoft.com/office/drawing/2014/main" id="{45000665-DFC7-417E-8FD7-516A0F15C975}"/>
-              </a:ext>
-              <a:ext uri="{C183D7F6-B498-43B3-948B-1728B52AA6E4}">
-                <adec:decorative xmlns:adec="http://schemas.microsoft.com/office/drawing/2017/decorative" val="1"/>
-              </a:ext>
-            </a:extLst>
-          </p:cNvPr>
-          <p:cNvCxnSpPr>
-            <a:cxnSpLocks noGrp="1" noRot="1" noChangeAspect="1" noMove="1" noResize="1" noEditPoints="1" noAdjustHandles="1" noChangeArrowheads="1" noChangeShapeType="1"/>
-          </p:cNvCxnSpPr>
-          <p:nvPr>
-            <p:extLst>
-              <p:ext uri="{386F3935-93C4-4BCD-93E2-E3B085C9AB24}">
-                <p16:designElem xmlns:p16="http://schemas.microsoft.com/office/powerpoint/2015/main" val="1"/>
-              </p:ext>
-            </p:extLst>
-          </p:nvPr>
-        </p:nvCxnSpPr>
-        <p:spPr>
-          <a:xfrm>
-            <a:off x="4724400" y="4109417"/>
-            <a:ext cx="2743200" cy="0"/>
-          </a:xfrm>
-          <a:prstGeom prst="line">
-            <a:avLst/>
-          </a:prstGeom>
-          <a:ln w="12700">
-            <a:solidFill>
-              <a:schemeClr val="tx1">
-                <a:lumMod val="85000"/>
-              </a:schemeClr>
-            </a:solidFill>
-          </a:ln>
-        </p:spPr>
-        <p:style>
-          <a:lnRef idx="1">
-            <a:schemeClr val="accent1"/>
-          </a:lnRef>
-          <a:fillRef idx="0">
-            <a:schemeClr val="accent1"/>
-          </a:fillRef>
-          <a:effectRef idx="0">
-            <a:schemeClr val="accent1"/>
-          </a:effectRef>
-          <a:fontRef idx="minor">
-            <a:schemeClr val="tx1"/>
-          </a:fontRef>
-        </p:style>
-      </p:cxnSp>
-    </p:spTree>
-    <p:extLst>
-      <p:ext uri="{BB962C8B-B14F-4D97-AF65-F5344CB8AC3E}">
-        <p14:creationId xmlns:p14="http://schemas.microsoft.com/office/powerpoint/2010/main" val="4171645830"/>
-      </p:ext>
-    </p:extLst>
-  </p:cSld>
-  <p:clrMapOvr>
-    <a:overrideClrMapping bg1="dk1" tx1="lt1" bg2="dk2" tx2="lt2" accent1="accent1" accent2="accent2" accent3="accent3" accent4="accent4" accent5="accent5" accent6="accent6" hlink="hlink" folHlink="folHlink"/>
-  </p:clrMapOvr>
-</p:sld>
-</file>
-
-<file path=ppt/slides/slide2.xml><?xml version="1.0" encoding="utf-8"?>
-<p:sld xmlns:a="http://schemas.openxmlformats.org/drawingml/2006/main" xmlns:r="http://schemas.openxmlformats.org/officeDocument/2006/relationships" xmlns:p="http://schemas.openxmlformats.org/presentationml/2006/main">
-  <p:cSld>
-    <p:bg>
-      <p:bgPr>
-        <a:solidFill>
-          <a:schemeClr val="bg1">
-            <a:tint val="95000"/>
-            <a:satMod val="170000"/>
-          </a:schemeClr>
-        </a:solidFill>
-        <a:effectLst/>
-      </p:bgPr>
-    </p:bg>
-    <p:spTree>
-      <p:nvGrpSpPr>
-        <p:cNvPr id="1" name=""/>
-        <p:cNvGrpSpPr/>
-        <p:nvPr/>
-      </p:nvGrpSpPr>
-      <p:grpSpPr>
-        <a:xfrm>
-          <a:off x="0" y="0"/>
-          <a:ext cx="0" cy="0"/>
-          <a:chOff x="0" y="0"/>
-          <a:chExt cx="0" cy="0"/>
-        </a:xfrm>
-      </p:grpSpPr>
-      <p:sp>
-        <p:nvSpPr>
-          <p:cNvPr id="8" name="Freeform: Shape 7">
-            <a:extLst>
-              <a:ext uri="{FF2B5EF4-FFF2-40B4-BE49-F238E27FC236}">
-                <a16:creationId xmlns:a16="http://schemas.microsoft.com/office/drawing/2014/main" id="{48A740BC-A0AA-45E0-B899-2AE9C6FE11CA}"/>
-              </a:ext>
-              <a:ext uri="{C183D7F6-B498-43B3-948B-1728B52AA6E4}">
-                <adec:decorative xmlns:adec="http://schemas.microsoft.com/office/drawing/2017/decorative" val="1"/>
-              </a:ext>
-            </a:extLst>
-          </p:cNvPr>
-          <p:cNvSpPr>
-            <a:spLocks noGrp="1" noRot="1" noChangeAspect="1" noMove="1" noResize="1" noEditPoints="1" noAdjustHandles="1" noChangeArrowheads="1" noChangeShapeType="1" noTextEdit="1"/>
-          </p:cNvSpPr>
-          <p:nvPr>
-            <p:extLst>
-              <p:ext uri="{386F3935-93C4-4BCD-93E2-E3B085C9AB24}">
-                <p16:designElem xmlns:p16="http://schemas.microsoft.com/office/powerpoint/2015/main" val="1"/>
-              </p:ext>
-            </p:extLst>
-          </p:nvPr>
-        </p:nvSpPr>
-        <p:spPr>
-          <a:xfrm>
-            <a:off x="5913121" y="-2"/>
-            <a:ext cx="6278879" cy="6858002"/>
-          </a:xfrm>
-          <a:custGeom>
-            <a:avLst/>
-            <a:gdLst>
-              <a:gd name="connsiteX0" fmla="*/ 45572 w 6278879"/>
-              <a:gd name="connsiteY0" fmla="*/ 0 h 6858002"/>
-              <a:gd name="connsiteX1" fmla="*/ 6278879 w 6278879"/>
-              <a:gd name="connsiteY1" fmla="*/ 0 h 6858002"/>
-              <a:gd name="connsiteX2" fmla="*/ 6278879 w 6278879"/>
-              <a:gd name="connsiteY2" fmla="*/ 6858002 h 6858002"/>
-              <a:gd name="connsiteX3" fmla="*/ 3292308 w 6278879"/>
-              <a:gd name="connsiteY3" fmla="*/ 6858002 h 6858002"/>
-              <a:gd name="connsiteX4" fmla="*/ 3181526 w 6278879"/>
-              <a:gd name="connsiteY4" fmla="*/ 6786982 h 6858002"/>
-              <a:gd name="connsiteX5" fmla="*/ 0 w 6278879"/>
-              <a:gd name="connsiteY5" fmla="*/ 803254 h 6858002"/>
-              <a:gd name="connsiteX6" fmla="*/ 37255 w 6278879"/>
-              <a:gd name="connsiteY6" fmla="*/ 65447 h 6858002"/>
-            </a:gdLst>
-            <a:ahLst/>
-            <a:cxnLst>
-              <a:cxn ang="0">
-                <a:pos x="connsiteX0" y="connsiteY0"/>
-              </a:cxn>
-              <a:cxn ang="0">
-                <a:pos x="connsiteX1" y="connsiteY1"/>
-              </a:cxn>
-              <a:cxn ang="0">
-                <a:pos x="connsiteX2" y="connsiteY2"/>
-              </a:cxn>
-              <a:cxn ang="0">
-                <a:pos x="connsiteX3" y="connsiteY3"/>
-              </a:cxn>
-              <a:cxn ang="0">
-                <a:pos x="connsiteX4" y="connsiteY4"/>
-              </a:cxn>
-              <a:cxn ang="0">
-                <a:pos x="connsiteX5" y="connsiteY5"/>
-              </a:cxn>
-              <a:cxn ang="0">
-                <a:pos x="connsiteX6" y="connsiteY6"/>
-              </a:cxn>
-            </a:cxnLst>
-            <a:rect l="l" t="t" r="r" b="b"/>
-            <a:pathLst>
-              <a:path w="6278879" h="6858002">
-                <a:moveTo>
-                  <a:pt x="45572" y="0"/>
-                </a:moveTo>
-                <a:lnTo>
-                  <a:pt x="6278879" y="0"/>
-                </a:lnTo>
-                <a:lnTo>
-                  <a:pt x="6278879" y="6858002"/>
-                </a:lnTo>
-                <a:lnTo>
-                  <a:pt x="3292308" y="6858002"/>
-                </a:lnTo>
-                <a:lnTo>
-                  <a:pt x="3181526" y="6786982"/>
-                </a:lnTo>
-                <a:cubicBezTo>
-                  <a:pt x="1262021" y="5490191"/>
-                  <a:pt x="0" y="3294103"/>
-                  <a:pt x="0" y="803254"/>
-                </a:cubicBezTo>
-                <a:cubicBezTo>
-                  <a:pt x="0" y="554169"/>
-                  <a:pt x="12620" y="308032"/>
-                  <a:pt x="37255" y="65447"/>
-                </a:cubicBezTo>
-                <a:close/>
-              </a:path>
-            </a:pathLst>
-          </a:custGeom>
-          <a:solidFill>
-            <a:schemeClr val="bg1">
-              <a:lumMod val="85000"/>
-              <a:lumOff val="15000"/>
-              <a:alpha val="70000"/>
-            </a:schemeClr>
-          </a:solidFill>
-          <a:ln>
-            <a:noFill/>
-          </a:ln>
-        </p:spPr>
-        <p:style>
-          <a:lnRef idx="2">
-            <a:schemeClr val="accent1">
-              <a:shade val="50000"/>
-            </a:schemeClr>
-          </a:lnRef>
-          <a:fillRef idx="1">
-            <a:schemeClr val="accent1"/>
-          </a:fillRef>
-          <a:effectRef idx="0">
-            <a:schemeClr val="accent1"/>
-          </a:effectRef>
-          <a:fontRef idx="minor">
-            <a:schemeClr val="lt1"/>
-          </a:fontRef>
-        </p:style>
-        <p:txBody>
-          <a:bodyPr rtlCol="0" anchor="ctr"/>
-          <a:lstStyle/>
-          <a:p>
-            <a:pPr marL="0" marR="0" lvl="0" indent="0" algn="ctr" defTabSz="914400" rtl="0" eaLnBrk="1" fontAlgn="auto" latinLnBrk="0" hangingPunct="1">
-              <a:lnSpc>
-                <a:spcPct val="100000"/>
-              </a:lnSpc>
-              <a:spcBef>
-                <a:spcPts val="0"/>
-              </a:spcBef>
-              <a:spcAft>
-                <a:spcPts val="0"/>
-              </a:spcAft>
-              <a:buClrTx/>
-              <a:buSzTx/>
-              <a:buFontTx/>
-              <a:buNone/>
-              <a:tabLst/>
-              <a:defRPr/>
-            </a:pPr>
-            <a:endParaRPr kumimoji="0" lang="en-US" sz="1800" b="0" i="0" u="none" strike="noStrike" kern="1200" cap="none" spc="0" normalizeH="0" baseline="0" noProof="0">
-              <a:ln>
-                <a:noFill/>
-              </a:ln>
-              <a:solidFill>
-                <a:prstClr val="white"/>
-              </a:solidFill>
-              <a:effectLst/>
-              <a:uLnTx/>
-              <a:uFillTx/>
-              <a:latin typeface="Calibri" panose="020F0502020204030204"/>
-              <a:ea typeface="+mn-ea"/>
-              <a:cs typeface="+mn-cs"/>
-            </a:endParaRPr>
-          </a:p>
-        </p:txBody>
-      </p:sp>
-      <p:sp>
-        <p:nvSpPr>
-          <p:cNvPr id="2" name="Title 1">
-            <a:extLst>
-              <a:ext uri="{FF2B5EF4-FFF2-40B4-BE49-F238E27FC236}">
-                <a16:creationId xmlns:a16="http://schemas.microsoft.com/office/drawing/2014/main" id="{60024C1A-DC75-493B-8C51-D769DE2E0068}"/>
-              </a:ext>
-            </a:extLst>
-          </p:cNvPr>
-          <p:cNvSpPr>
-            <a:spLocks noGrp="1"/>
-          </p:cNvSpPr>
-          <p:nvPr>
-            <p:ph type="title"/>
-          </p:nvPr>
-        </p:nvSpPr>
-        <p:spPr>
-          <a:xfrm>
-            <a:off x="655320" y="365125"/>
-            <a:ext cx="9013052" cy="1623312"/>
-          </a:xfrm>
-        </p:spPr>
-        <p:txBody>
-          <a:bodyPr anchor="b">
-            <a:normAutofit/>
-          </a:bodyPr>
-          <a:lstStyle/>
-          <a:p>
-            <a:r>
-              <a:rPr lang="en-US" sz="4000" dirty="0"/>
-              <a:t>Object-order vs Image-order rendering</a:t>
-            </a:r>
-          </a:p>
-        </p:txBody>
-      </p:sp>
-      <p:cxnSp>
-        <p:nvCxnSpPr>
-          <p:cNvPr id="10" name="Straight Arrow Connector 9">
-            <a:extLst>
-              <a:ext uri="{FF2B5EF4-FFF2-40B4-BE49-F238E27FC236}">
-                <a16:creationId xmlns:a16="http://schemas.microsoft.com/office/drawing/2014/main" id="{B874EF51-C858-4BB9-97C3-D17755787127}"/>
-              </a:ext>
-              <a:ext uri="{C183D7F6-B498-43B3-948B-1728B52AA6E4}">
-                <adec:decorative xmlns:adec="http://schemas.microsoft.com/office/drawing/2017/decorative" val="1"/>
-              </a:ext>
-            </a:extLst>
-          </p:cNvPr>
-          <p:cNvCxnSpPr>
-            <a:cxnSpLocks noGrp="1" noRot="1" noChangeAspect="1" noMove="1" noResize="1" noEditPoints="1" noAdjustHandles="1" noChangeArrowheads="1" noChangeShapeType="1"/>
-          </p:cNvCxnSpPr>
-          <p:nvPr>
-            <p:extLst>
-              <p:ext uri="{386F3935-93C4-4BCD-93E2-E3B085C9AB24}">
-                <p16:designElem xmlns:p16="http://schemas.microsoft.com/office/powerpoint/2015/main" val="1"/>
-              </p:ext>
-            </p:extLst>
-          </p:nvPr>
-        </p:nvCxnSpPr>
-        <p:spPr>
-          <a:xfrm>
-            <a:off x="763661" y="2316480"/>
-            <a:ext cx="8229600" cy="0"/>
-          </a:xfrm>
-          <a:prstGeom prst="straightConnector1">
-            <a:avLst/>
-          </a:prstGeom>
-          <a:ln w="19050" cap="sq">
-            <a:solidFill>
-              <a:schemeClr val="tx1"/>
-            </a:solidFill>
-            <a:tailEnd type="none"/>
-          </a:ln>
-        </p:spPr>
-        <p:style>
-          <a:lnRef idx="1">
-            <a:schemeClr val="accent1"/>
-          </a:lnRef>
-          <a:fillRef idx="0">
-            <a:schemeClr val="accent1"/>
-          </a:fillRef>
-          <a:effectRef idx="0">
-            <a:schemeClr val="accent1"/>
-          </a:effectRef>
-          <a:fontRef idx="minor">
-            <a:schemeClr val="tx1"/>
-          </a:fontRef>
-        </p:style>
-      </p:cxnSp>
-      <p:sp>
-        <p:nvSpPr>
-          <p:cNvPr id="3" name="Content Placeholder 2">
-            <a:extLst>
-              <a:ext uri="{FF2B5EF4-FFF2-40B4-BE49-F238E27FC236}">
-                <a16:creationId xmlns:a16="http://schemas.microsoft.com/office/drawing/2014/main" id="{F4CCE5E8-B734-4972-9B63-0D812F1743D1}"/>
-              </a:ext>
-            </a:extLst>
-          </p:cNvPr>
-          <p:cNvSpPr>
-            <a:spLocks noGrp="1"/>
-          </p:cNvSpPr>
-          <p:nvPr>
-            <p:ph idx="1"/>
-          </p:nvPr>
-        </p:nvSpPr>
-        <p:spPr>
-          <a:xfrm>
-            <a:off x="655320" y="2644518"/>
-            <a:ext cx="9013052" cy="3327251"/>
-          </a:xfrm>
-        </p:spPr>
-        <p:txBody>
-          <a:bodyPr>
-            <a:normAutofit/>
-          </a:bodyPr>
-          <a:lstStyle/>
-          <a:p>
-            <a:r>
-              <a:rPr lang="en-US" sz="2000"/>
-              <a:t>Ray tracing</a:t>
-            </a:r>
-          </a:p>
-          <a:p>
-            <a:r>
-              <a:rPr lang="en-US" sz="2000"/>
-              <a:t>Ray casting</a:t>
-            </a:r>
-          </a:p>
-        </p:txBody>
-      </p:sp>
-    </p:spTree>
-    <p:extLst>
-      <p:ext uri="{BB962C8B-B14F-4D97-AF65-F5344CB8AC3E}">
-        <p14:creationId xmlns:p14="http://schemas.microsoft.com/office/powerpoint/2010/main" val="451695707"/>
-      </p:ext>
-    </p:extLst>
-  </p:cSld>
-  <p:clrMapOvr>
-    <a:overrideClrMapping bg1="dk1" tx1="lt1" bg2="dk2" tx2="lt2" accent1="accent1" accent2="accent2" accent3="accent3" accent4="accent4" accent5="accent5" accent6="accent6" hlink="hlink" folHlink="folHlink"/>
-  </p:clrMapOvr>
-</p:sld>
-</file>
-
-<file path=ppt/slides/slide3.xml><?xml version="1.0" encoding="utf-8"?>
-<p:sld xmlns:a="http://schemas.openxmlformats.org/drawingml/2006/main" xmlns:r="http://schemas.openxmlformats.org/officeDocument/2006/relationships" xmlns:p="http://schemas.openxmlformats.org/presentationml/2006/main">
-  <p:cSld>
-    <p:bg>
-      <p:bgPr>
-        <a:solidFill>
-          <a:schemeClr val="bg1">
-            <a:tint val="95000"/>
-            <a:satMod val="170000"/>
-          </a:schemeClr>
-        </a:solidFill>
-        <a:effectLst/>
-      </p:bgPr>
-    </p:bg>
-    <p:spTree>
-      <p:nvGrpSpPr>
-        <p:cNvPr id="1" name=""/>
-        <p:cNvGrpSpPr/>
-        <p:nvPr/>
-      </p:nvGrpSpPr>
-      <p:grpSpPr>
-        <a:xfrm>
-          <a:off x="0" y="0"/>
-          <a:ext cx="0" cy="0"/>
-          <a:chOff x="0" y="0"/>
-          <a:chExt cx="0" cy="0"/>
-        </a:xfrm>
-      </p:grpSpPr>
-      <p:sp>
-        <p:nvSpPr>
-          <p:cNvPr id="8" name="Freeform: Shape 7">
-            <a:extLst>
-              <a:ext uri="{FF2B5EF4-FFF2-40B4-BE49-F238E27FC236}">
-                <a16:creationId xmlns:a16="http://schemas.microsoft.com/office/drawing/2014/main" id="{48A740BC-A0AA-45E0-B899-2AE9C6FE11CA}"/>
-              </a:ext>
-              <a:ext uri="{C183D7F6-B498-43B3-948B-1728B52AA6E4}">
-                <adec:decorative xmlns:adec="http://schemas.microsoft.com/office/drawing/2017/decorative" val="1"/>
-              </a:ext>
-            </a:extLst>
-          </p:cNvPr>
-          <p:cNvSpPr>
-            <a:spLocks noGrp="1" noRot="1" noChangeAspect="1" noMove="1" noResize="1" noEditPoints="1" noAdjustHandles="1" noChangeArrowheads="1" noChangeShapeType="1" noTextEdit="1"/>
-          </p:cNvSpPr>
-          <p:nvPr>
-            <p:extLst>
-              <p:ext uri="{386F3935-93C4-4BCD-93E2-E3B085C9AB24}">
-                <p16:designElem xmlns:p16="http://schemas.microsoft.com/office/powerpoint/2015/main" val="1"/>
-              </p:ext>
-            </p:extLst>
-          </p:nvPr>
-        </p:nvSpPr>
-        <p:spPr>
-          <a:xfrm>
-            <a:off x="5913121" y="-2"/>
-            <a:ext cx="6278879" cy="6858002"/>
-          </a:xfrm>
-          <a:custGeom>
-            <a:avLst/>
-            <a:gdLst>
-              <a:gd name="connsiteX0" fmla="*/ 45572 w 6278879"/>
-              <a:gd name="connsiteY0" fmla="*/ 0 h 6858002"/>
-              <a:gd name="connsiteX1" fmla="*/ 6278879 w 6278879"/>
-              <a:gd name="connsiteY1" fmla="*/ 0 h 6858002"/>
-              <a:gd name="connsiteX2" fmla="*/ 6278879 w 6278879"/>
-              <a:gd name="connsiteY2" fmla="*/ 6858002 h 6858002"/>
-              <a:gd name="connsiteX3" fmla="*/ 3292308 w 6278879"/>
-              <a:gd name="connsiteY3" fmla="*/ 6858002 h 6858002"/>
-              <a:gd name="connsiteX4" fmla="*/ 3181526 w 6278879"/>
-              <a:gd name="connsiteY4" fmla="*/ 6786982 h 6858002"/>
-              <a:gd name="connsiteX5" fmla="*/ 0 w 6278879"/>
-              <a:gd name="connsiteY5" fmla="*/ 803254 h 6858002"/>
-              <a:gd name="connsiteX6" fmla="*/ 37255 w 6278879"/>
-              <a:gd name="connsiteY6" fmla="*/ 65447 h 6858002"/>
-            </a:gdLst>
-            <a:ahLst/>
-            <a:cxnLst>
-              <a:cxn ang="0">
-                <a:pos x="connsiteX0" y="connsiteY0"/>
-              </a:cxn>
-              <a:cxn ang="0">
-                <a:pos x="connsiteX1" y="connsiteY1"/>
-              </a:cxn>
-              <a:cxn ang="0">
-                <a:pos x="connsiteX2" y="connsiteY2"/>
-              </a:cxn>
-              <a:cxn ang="0">
-                <a:pos x="connsiteX3" y="connsiteY3"/>
-              </a:cxn>
-              <a:cxn ang="0">
-                <a:pos x="connsiteX4" y="connsiteY4"/>
-              </a:cxn>
-              <a:cxn ang="0">
-                <a:pos x="connsiteX5" y="connsiteY5"/>
-              </a:cxn>
-              <a:cxn ang="0">
-                <a:pos x="connsiteX6" y="connsiteY6"/>
-              </a:cxn>
-            </a:cxnLst>
-            <a:rect l="l" t="t" r="r" b="b"/>
-            <a:pathLst>
-              <a:path w="6278879" h="6858002">
-                <a:moveTo>
-                  <a:pt x="45572" y="0"/>
-                </a:moveTo>
-                <a:lnTo>
-                  <a:pt x="6278879" y="0"/>
-                </a:lnTo>
-                <a:lnTo>
-                  <a:pt x="6278879" y="6858002"/>
-                </a:lnTo>
-                <a:lnTo>
-                  <a:pt x="3292308" y="6858002"/>
-                </a:lnTo>
-                <a:lnTo>
-                  <a:pt x="3181526" y="6786982"/>
-                </a:lnTo>
-                <a:cubicBezTo>
-                  <a:pt x="1262021" y="5490191"/>
-                  <a:pt x="0" y="3294103"/>
-                  <a:pt x="0" y="803254"/>
-                </a:cubicBezTo>
-                <a:cubicBezTo>
-                  <a:pt x="0" y="554169"/>
-                  <a:pt x="12620" y="308032"/>
-                  <a:pt x="37255" y="65447"/>
-                </a:cubicBezTo>
-                <a:close/>
-              </a:path>
-            </a:pathLst>
-          </a:custGeom>
-          <a:solidFill>
-            <a:schemeClr val="bg1">
-              <a:lumMod val="85000"/>
-              <a:lumOff val="15000"/>
-              <a:alpha val="70000"/>
-            </a:schemeClr>
-          </a:solidFill>
-          <a:ln>
-            <a:noFill/>
-          </a:ln>
-        </p:spPr>
-        <p:style>
-          <a:lnRef idx="2">
-            <a:schemeClr val="accent1">
-              <a:shade val="50000"/>
-            </a:schemeClr>
-          </a:lnRef>
-          <a:fillRef idx="1">
-            <a:schemeClr val="accent1"/>
-          </a:fillRef>
-          <a:effectRef idx="0">
-            <a:schemeClr val="accent1"/>
-          </a:effectRef>
-          <a:fontRef idx="minor">
-            <a:schemeClr val="lt1"/>
-          </a:fontRef>
-        </p:style>
-        <p:txBody>
-          <a:bodyPr rtlCol="0" anchor="ctr"/>
-          <a:lstStyle/>
-          <a:p>
-            <a:pPr marL="0" marR="0" lvl="0" indent="0" algn="ctr" defTabSz="914400" rtl="0" eaLnBrk="1" fontAlgn="auto" latinLnBrk="0" hangingPunct="1">
-              <a:lnSpc>
-                <a:spcPct val="100000"/>
-              </a:lnSpc>
-              <a:spcBef>
-                <a:spcPts val="0"/>
-              </a:spcBef>
-              <a:spcAft>
-                <a:spcPts val="0"/>
-              </a:spcAft>
-              <a:buClrTx/>
-              <a:buSzTx/>
-              <a:buFontTx/>
-              <a:buNone/>
-              <a:tabLst/>
-              <a:defRPr/>
-            </a:pPr>
-            <a:endParaRPr kumimoji="0" lang="en-US" sz="1800" b="0" i="0" u="none" strike="noStrike" kern="1200" cap="none" spc="0" normalizeH="0" baseline="0" noProof="0">
-              <a:ln>
-                <a:noFill/>
-              </a:ln>
-              <a:solidFill>
-                <a:prstClr val="white"/>
-              </a:solidFill>
-              <a:effectLst/>
-              <a:uLnTx/>
-              <a:uFillTx/>
-              <a:latin typeface="Calibri" panose="020F0502020204030204"/>
-              <a:ea typeface="+mn-ea"/>
-              <a:cs typeface="+mn-cs"/>
-            </a:endParaRPr>
-          </a:p>
-        </p:txBody>
-      </p:sp>
-      <p:cxnSp>
-        <p:nvCxnSpPr>
-          <p:cNvPr id="10" name="Straight Arrow Connector 9">
-            <a:extLst>
-              <a:ext uri="{FF2B5EF4-FFF2-40B4-BE49-F238E27FC236}">
-                <a16:creationId xmlns:a16="http://schemas.microsoft.com/office/drawing/2014/main" id="{B874EF51-C858-4BB9-97C3-D17755787127}"/>
-              </a:ext>
-              <a:ext uri="{C183D7F6-B498-43B3-948B-1728B52AA6E4}">
-                <adec:decorative xmlns:adec="http://schemas.microsoft.com/office/drawing/2017/decorative" val="1"/>
-              </a:ext>
-            </a:extLst>
-          </p:cNvPr>
-          <p:cNvCxnSpPr>
-            <a:cxnSpLocks noGrp="1" noRot="1" noChangeAspect="1" noMove="1" noResize="1" noEditPoints="1" noAdjustHandles="1" noChangeArrowheads="1" noChangeShapeType="1"/>
-          </p:cNvCxnSpPr>
-          <p:nvPr>
-            <p:extLst>
-              <p:ext uri="{386F3935-93C4-4BCD-93E2-E3B085C9AB24}">
-                <p16:designElem xmlns:p16="http://schemas.microsoft.com/office/powerpoint/2015/main" val="1"/>
-              </p:ext>
-            </p:extLst>
-          </p:nvPr>
-        </p:nvCxnSpPr>
-        <p:spPr>
-          <a:xfrm>
-            <a:off x="763661" y="2316480"/>
-            <a:ext cx="8229600" cy="0"/>
-          </a:xfrm>
-          <a:prstGeom prst="straightConnector1">
-            <a:avLst/>
-          </a:prstGeom>
-          <a:ln w="19050" cap="sq">
-            <a:solidFill>
-              <a:schemeClr val="tx1"/>
-            </a:solidFill>
-            <a:tailEnd type="none"/>
-          </a:ln>
-        </p:spPr>
-        <p:style>
-          <a:lnRef idx="1">
-            <a:schemeClr val="accent1"/>
-          </a:lnRef>
-          <a:fillRef idx="0">
-            <a:schemeClr val="accent1"/>
-          </a:fillRef>
-          <a:effectRef idx="0">
-            <a:schemeClr val="accent1"/>
-          </a:effectRef>
-          <a:fontRef idx="minor">
-            <a:schemeClr val="tx1"/>
-          </a:fontRef>
-        </p:style>
-      </p:cxnSp>
-      <mc:AlternateContent xmlns:mc="http://schemas.openxmlformats.org/markup-compatibility/2006">
-        <mc:Choice xmlns:a14="http://schemas.microsoft.com/office/drawing/2010/main" Requires="a14">
+      <mc:AlternateContent xmlns:mc="http://schemas.openxmlformats.org/markup-compatibility/2006" xmlns:a14="http://schemas.microsoft.com/office/drawing/2010/main">
+        <mc:Choice Requires="a14">
           <p:sp>
             <p:nvSpPr>
               <p:cNvPr id="3" name="Content Placeholder 2">
@@ -6657,7 +6009,6 @@
                 </a:r>
               </a:p>
               <a:p>
-                <a:pPr/>
                 <a14:m>
                   <m:oMath xmlns:m="http://schemas.openxmlformats.org/officeDocument/2006/math">
                     <m:r>
@@ -6684,7 +6035,7 @@
             </p:txBody>
           </p:sp>
         </mc:Choice>
-        <mc:Fallback>
+        <mc:Fallback xmlns="">
           <p:sp>
             <p:nvSpPr>
               <p:cNvPr id="3" name="Content Placeholder 2">
@@ -6707,7 +6058,7 @@
                 <a:ext cx="9013052" cy="3327251"/>
               </a:xfrm>
               <a:blipFill>
-                <a:blip r:embed="rId2"/>
+                <a:blip r:embed="rId4"/>
                 <a:stretch>
                   <a:fillRect l="-609" t="-2015"/>
                 </a:stretch>
@@ -6782,8 +6133,8 @@
           </a:p>
         </p:txBody>
       </p:sp>
-      <mc:AlternateContent xmlns:mc="http://schemas.openxmlformats.org/markup-compatibility/2006">
-        <mc:Choice xmlns:a14="http://schemas.microsoft.com/office/drawing/2010/main" Requires="a14">
+      <mc:AlternateContent xmlns:mc="http://schemas.openxmlformats.org/markup-compatibility/2006" xmlns:a14="http://schemas.microsoft.com/office/drawing/2010/main">
+        <mc:Choice Requires="a14">
           <p:sp>
             <p:nvSpPr>
               <p:cNvPr id="2" name="Title 1">
@@ -6812,6 +6163,7 @@
               </a:bodyPr>
               <a:lstStyle/>
               <a:p>
+                <a:pPr/>
                 <a14:m>
                   <m:oMathPara xmlns:m="http://schemas.openxmlformats.org/officeDocument/2006/math">
                     <m:oMathParaPr>
@@ -7232,7 +6584,7 @@
             </p:txBody>
           </p:sp>
         </mc:Choice>
-        <mc:Fallback>
+        <mc:Fallback xmlns="">
           <p:sp>
             <p:nvSpPr>
               <p:cNvPr id="2" name="Title 1">
@@ -7255,7 +6607,7 @@
                 <a:ext cx="9013052" cy="1623312"/>
               </a:xfrm>
               <a:blipFill>
-                <a:blip r:embed="rId3"/>
+                <a:blip r:embed="rId5"/>
                 <a:stretch>
                   <a:fillRect/>
                 </a:stretch>
@@ -7289,7 +6641,7 @@
 </p:sld>
 </file>
 
-<file path=ppt/slides/slide4.xml><?xml version="1.0" encoding="utf-8"?>
+<file path=ppt/slides/slide3.xml><?xml version="1.0" encoding="utf-8"?>
 <p:sld xmlns:a="http://schemas.openxmlformats.org/drawingml/2006/main" xmlns:r="http://schemas.openxmlformats.org/officeDocument/2006/relationships" xmlns:p="http://schemas.openxmlformats.org/presentationml/2006/main">
   <p:cSld>
     <p:bg>
@@ -7537,8 +6889,8 @@
           </a:fontRef>
         </p:style>
       </p:cxnSp>
-      <mc:AlternateContent xmlns:mc="http://schemas.openxmlformats.org/markup-compatibility/2006">
-        <mc:Choice xmlns:a14="http://schemas.microsoft.com/office/drawing/2010/main" Requires="a14">
+      <mc:AlternateContent xmlns:mc="http://schemas.openxmlformats.org/markup-compatibility/2006" xmlns:a14="http://schemas.microsoft.com/office/drawing/2010/main">
+        <mc:Choice Requires="a14">
           <p:sp>
             <p:nvSpPr>
               <p:cNvPr id="3" name="Content Placeholder 2">
@@ -7599,7 +6951,6 @@
                 </a:r>
               </a:p>
               <a:p>
-                <a:pPr/>
                 <a14:m>
                   <m:oMath xmlns:m="http://schemas.openxmlformats.org/officeDocument/2006/math">
                     <m:r>
@@ -7695,7 +7046,7 @@
             </p:txBody>
           </p:sp>
         </mc:Choice>
-        <mc:Fallback>
+        <mc:Fallback xmlns="">
           <p:sp>
             <p:nvSpPr>
               <p:cNvPr id="3" name="Content Placeholder 2">
@@ -7793,8 +7144,8 @@
           </a:p>
         </p:txBody>
       </p:sp>
-      <mc:AlternateContent xmlns:mc="http://schemas.openxmlformats.org/markup-compatibility/2006">
-        <mc:Choice xmlns:a14="http://schemas.microsoft.com/office/drawing/2010/main" Requires="a14">
+      <mc:AlternateContent xmlns:mc="http://schemas.openxmlformats.org/markup-compatibility/2006" xmlns:a14="http://schemas.microsoft.com/office/drawing/2010/main">
+        <mc:Choice Requires="a14">
           <p:sp>
             <p:nvSpPr>
               <p:cNvPr id="2" name="Title 1">
@@ -7823,6 +7174,7 @@
               </a:bodyPr>
               <a:lstStyle/>
               <a:p>
+                <a:pPr/>
                 <a14:m>
                   <m:oMathPara xmlns:m="http://schemas.openxmlformats.org/officeDocument/2006/math">
                     <m:oMathParaPr>
@@ -8293,7 +7645,7 @@
             </p:txBody>
           </p:sp>
         </mc:Choice>
-        <mc:Fallback>
+        <mc:Fallback xmlns="">
           <p:sp>
             <p:nvSpPr>
               <p:cNvPr id="2" name="Title 1">
@@ -8350,7 +7702,7 @@
 </p:sld>
 </file>
 
-<file path=ppt/slides/slide5.xml><?xml version="1.0" encoding="utf-8"?>
+<file path=ppt/slides/slide4.xml><?xml version="1.0" encoding="utf-8"?>
 <p:sld xmlns:a="http://schemas.openxmlformats.org/drawingml/2006/main" xmlns:r="http://schemas.openxmlformats.org/officeDocument/2006/relationships" xmlns:p="http://schemas.openxmlformats.org/presentationml/2006/main">
   <p:cSld>
     <p:bg>
@@ -8598,8 +7950,8 @@
           </a:fontRef>
         </p:style>
       </p:cxnSp>
-      <mc:AlternateContent xmlns:mc="http://schemas.openxmlformats.org/markup-compatibility/2006">
-        <mc:Choice xmlns:a14="http://schemas.microsoft.com/office/drawing/2010/main" Requires="a14">
+      <mc:AlternateContent xmlns:mc="http://schemas.openxmlformats.org/markup-compatibility/2006" xmlns:a14="http://schemas.microsoft.com/office/drawing/2010/main">
+        <mc:Choice Requires="a14">
           <p:sp>
             <p:nvSpPr>
               <p:cNvPr id="3" name="Content Placeholder 2">
@@ -8720,7 +8072,7 @@
             </p:txBody>
           </p:sp>
         </mc:Choice>
-        <mc:Fallback>
+        <mc:Fallback xmlns="">
           <p:sp>
             <p:nvSpPr>
               <p:cNvPr id="3" name="Content Placeholder 2">
@@ -8818,8 +8170,8 @@
           </a:p>
         </p:txBody>
       </p:sp>
-      <mc:AlternateContent xmlns:mc="http://schemas.openxmlformats.org/markup-compatibility/2006">
-        <mc:Choice xmlns:a14="http://schemas.microsoft.com/office/drawing/2010/main" Requires="a14">
+      <mc:AlternateContent xmlns:mc="http://schemas.openxmlformats.org/markup-compatibility/2006" xmlns:a14="http://schemas.microsoft.com/office/drawing/2010/main">
+        <mc:Choice Requires="a14">
           <p:sp>
             <p:nvSpPr>
               <p:cNvPr id="2" name="Title 1">
@@ -8848,6 +8200,7 @@
               </a:bodyPr>
               <a:lstStyle/>
               <a:p>
+                <a:pPr/>
                 <a14:m>
                   <m:oMathPara xmlns:m="http://schemas.openxmlformats.org/officeDocument/2006/math">
                     <m:oMathParaPr>
@@ -9329,7 +8682,7 @@
             </p:txBody>
           </p:sp>
         </mc:Choice>
-        <mc:Fallback>
+        <mc:Fallback xmlns="">
           <p:sp>
             <p:nvSpPr>
               <p:cNvPr id="2" name="Title 1">
@@ -9386,7 +8739,7 @@
 </p:sld>
 </file>
 
-<file path=ppt/slides/slide6.xml><?xml version="1.0" encoding="utf-8"?>
+<file path=ppt/slides/slide5.xml><?xml version="1.0" encoding="utf-8"?>
 <p:sld xmlns:a="http://schemas.openxmlformats.org/drawingml/2006/main" xmlns:r="http://schemas.openxmlformats.org/officeDocument/2006/relationships" xmlns:p="http://schemas.openxmlformats.org/presentationml/2006/main">
   <p:cSld>
     <p:bg>
@@ -9634,8 +8987,8 @@
           </a:fontRef>
         </p:style>
       </p:cxnSp>
-      <mc:AlternateContent xmlns:mc="http://schemas.openxmlformats.org/markup-compatibility/2006">
-        <mc:Choice xmlns:a14="http://schemas.microsoft.com/office/drawing/2010/main" Requires="a14">
+      <mc:AlternateContent xmlns:mc="http://schemas.openxmlformats.org/markup-compatibility/2006" xmlns:a14="http://schemas.microsoft.com/office/drawing/2010/main">
+        <mc:Choice Requires="a14">
           <p:sp>
             <p:nvSpPr>
               <p:cNvPr id="3" name="Content Placeholder 2">
@@ -9701,7 +9054,7 @@
             </p:txBody>
           </p:sp>
         </mc:Choice>
-        <mc:Fallback>
+        <mc:Fallback xmlns="">
           <p:sp>
             <p:nvSpPr>
               <p:cNvPr id="3" name="Content Placeholder 2">
@@ -9799,8 +9152,8 @@
           </a:p>
         </p:txBody>
       </p:sp>
-      <mc:AlternateContent xmlns:mc="http://schemas.openxmlformats.org/markup-compatibility/2006">
-        <mc:Choice xmlns:a14="http://schemas.microsoft.com/office/drawing/2010/main" Requires="a14">
+      <mc:AlternateContent xmlns:mc="http://schemas.openxmlformats.org/markup-compatibility/2006" xmlns:a14="http://schemas.microsoft.com/office/drawing/2010/main">
+        <mc:Choice Requires="a14">
           <p:sp>
             <p:nvSpPr>
               <p:cNvPr id="2" name="Title 1">
@@ -9829,6 +9182,7 @@
               </a:bodyPr>
               <a:lstStyle/>
               <a:p>
+                <a:pPr/>
                 <a14:m>
                   <m:oMathPara xmlns:m="http://schemas.openxmlformats.org/officeDocument/2006/math">
                     <m:oMathParaPr>
@@ -10340,7 +9694,7 @@
             </p:txBody>
           </p:sp>
         </mc:Choice>
-        <mc:Fallback>
+        <mc:Fallback xmlns="">
           <p:sp>
             <p:nvSpPr>
               <p:cNvPr id="2" name="Title 1">
@@ -10397,7 +9751,7 @@
 </p:sld>
 </file>
 
-<file path=ppt/slides/slide7.xml><?xml version="1.0" encoding="utf-8"?>
+<file path=ppt/slides/slide6.xml><?xml version="1.0" encoding="utf-8"?>
 <p:sld xmlns:a="http://schemas.openxmlformats.org/drawingml/2006/main" xmlns:r="http://schemas.openxmlformats.org/officeDocument/2006/relationships" xmlns:p="http://schemas.openxmlformats.org/presentationml/2006/main">
   <p:cSld>
     <p:bg>
@@ -10645,8 +9999,8 @@
           </a:fontRef>
         </p:style>
       </p:cxnSp>
-      <mc:AlternateContent xmlns:mc="http://schemas.openxmlformats.org/markup-compatibility/2006">
-        <mc:Choice xmlns:a14="http://schemas.microsoft.com/office/drawing/2010/main" Requires="a14">
+      <mc:AlternateContent xmlns:mc="http://schemas.openxmlformats.org/markup-compatibility/2006" xmlns:a14="http://schemas.microsoft.com/office/drawing/2010/main">
+        <mc:Choice Requires="a14">
           <p:sp>
             <p:nvSpPr>
               <p:cNvPr id="3" name="Content Placeholder 2">
@@ -10693,7 +10047,7 @@
             </p:txBody>
           </p:sp>
         </mc:Choice>
-        <mc:Fallback>
+        <mc:Fallback xmlns="">
           <p:sp>
             <p:nvSpPr>
               <p:cNvPr id="3" name="Content Placeholder 2">
@@ -10791,8 +10145,8 @@
           </a:p>
         </p:txBody>
       </p:sp>
-      <mc:AlternateContent xmlns:mc="http://schemas.openxmlformats.org/markup-compatibility/2006">
-        <mc:Choice xmlns:a14="http://schemas.microsoft.com/office/drawing/2010/main" Requires="a14">
+      <mc:AlternateContent xmlns:mc="http://schemas.openxmlformats.org/markup-compatibility/2006" xmlns:a14="http://schemas.microsoft.com/office/drawing/2010/main">
+        <mc:Choice Requires="a14">
           <p:sp>
             <p:nvSpPr>
               <p:cNvPr id="2" name="Title 1">
@@ -10821,6 +10175,7 @@
               </a:bodyPr>
               <a:lstStyle/>
               <a:p>
+                <a:pPr/>
                 <a14:m>
                   <m:oMathPara xmlns:m="http://schemas.openxmlformats.org/officeDocument/2006/math">
                     <m:oMathParaPr>
@@ -11328,7 +10683,7 @@
             </p:txBody>
           </p:sp>
         </mc:Choice>
-        <mc:Fallback>
+        <mc:Fallback xmlns="">
           <p:sp>
             <p:nvSpPr>
               <p:cNvPr id="2" name="Title 1">
@@ -11385,7 +10740,7 @@
 </p:sld>
 </file>
 
-<file path=ppt/slides/slide8.xml><?xml version="1.0" encoding="utf-8"?>
+<file path=ppt/slides/slide7.xml><?xml version="1.0" encoding="utf-8"?>
 <p:sld xmlns:a="http://schemas.openxmlformats.org/drawingml/2006/main" xmlns:r="http://schemas.openxmlformats.org/officeDocument/2006/relationships" xmlns:p="http://schemas.openxmlformats.org/presentationml/2006/main">
   <p:cSld>
     <p:bg>
@@ -11661,7 +11016,6 @@
           </a:bodyPr>
           <a:lstStyle/>
           <a:p>
-            <a:pPr/>
             <a:r>
               <a:rPr lang="en-US" sz="2000" dirty="0"/>
               <a:t>Approximation struggles in VR</a:t>
@@ -11723,8 +11077,8 @@
           </a:p>
         </p:txBody>
       </p:sp>
-      <mc:AlternateContent xmlns:mc="http://schemas.openxmlformats.org/markup-compatibility/2006">
-        <mc:Choice xmlns:a14="http://schemas.microsoft.com/office/drawing/2010/main" Requires="a14">
+      <mc:AlternateContent xmlns:mc="http://schemas.openxmlformats.org/markup-compatibility/2006" xmlns:a14="http://schemas.microsoft.com/office/drawing/2010/main">
+        <mc:Choice Requires="a14">
           <p:sp>
             <p:nvSpPr>
               <p:cNvPr id="2" name="Title 1">
@@ -11753,6 +11107,7 @@
               </a:bodyPr>
               <a:lstStyle/>
               <a:p>
+                <a:pPr/>
                 <a14:m>
                   <m:oMathPara xmlns:m="http://schemas.openxmlformats.org/officeDocument/2006/math">
                     <m:oMathParaPr>
@@ -12173,7 +11528,7 @@
             </p:txBody>
           </p:sp>
         </mc:Choice>
-        <mc:Fallback>
+        <mc:Fallback xmlns="">
           <p:sp>
             <p:nvSpPr>
               <p:cNvPr id="2" name="Title 1">
@@ -12230,7 +11585,7 @@
 </p:sld>
 </file>
 
-<file path=ppt/slides/slide9.xml><?xml version="1.0" encoding="utf-8"?>
+<file path=ppt/slides/slide8.xml><?xml version="1.0" encoding="utf-8"?>
 <p:sld xmlns:a="http://schemas.openxmlformats.org/drawingml/2006/main" xmlns:r="http://schemas.openxmlformats.org/officeDocument/2006/relationships" xmlns:p="http://schemas.openxmlformats.org/presentationml/2006/main">
   <p:cSld>
     <p:bg>
@@ -12584,6 +11939,357 @@
     <p:extLst>
       <p:ext uri="{BB962C8B-B14F-4D97-AF65-F5344CB8AC3E}">
         <p14:creationId xmlns:p14="http://schemas.microsoft.com/office/powerpoint/2010/main" val="468054332"/>
+      </p:ext>
+    </p:extLst>
+  </p:cSld>
+  <p:clrMapOvr>
+    <a:overrideClrMapping bg1="dk1" tx1="lt1" bg2="dk2" tx2="lt2" accent1="accent1" accent2="accent2" accent3="accent3" accent4="accent4" accent5="accent5" accent6="accent6" hlink="hlink" folHlink="folHlink"/>
+  </p:clrMapOvr>
+</p:sld>
+</file>
+
+<file path=ppt/slides/slide9.xml><?xml version="1.0" encoding="utf-8"?>
+<p:sld xmlns:a="http://schemas.openxmlformats.org/drawingml/2006/main" xmlns:r="http://schemas.openxmlformats.org/officeDocument/2006/relationships" xmlns:p="http://schemas.openxmlformats.org/presentationml/2006/main">
+  <p:cSld>
+    <p:bg>
+      <p:bgPr>
+        <a:solidFill>
+          <a:schemeClr val="bg1">
+            <a:tint val="95000"/>
+            <a:satMod val="170000"/>
+          </a:schemeClr>
+        </a:solidFill>
+        <a:effectLst/>
+      </p:bgPr>
+    </p:bg>
+    <p:spTree>
+      <p:nvGrpSpPr>
+        <p:cNvPr id="1" name=""/>
+        <p:cNvGrpSpPr/>
+        <p:nvPr/>
+      </p:nvGrpSpPr>
+      <p:grpSpPr>
+        <a:xfrm>
+          <a:off x="0" y="0"/>
+          <a:ext cx="0" cy="0"/>
+          <a:chOff x="0" y="0"/>
+          <a:chExt cx="0" cy="0"/>
+        </a:xfrm>
+      </p:grpSpPr>
+      <p:sp>
+        <p:nvSpPr>
+          <p:cNvPr id="8" name="Freeform: Shape 7">
+            <a:extLst>
+              <a:ext uri="{FF2B5EF4-FFF2-40B4-BE49-F238E27FC236}">
+                <a16:creationId xmlns:a16="http://schemas.microsoft.com/office/drawing/2014/main" id="{48A740BC-A0AA-45E0-B899-2AE9C6FE11CA}"/>
+              </a:ext>
+              <a:ext uri="{C183D7F6-B498-43B3-948B-1728B52AA6E4}">
+                <adec:decorative xmlns:adec="http://schemas.microsoft.com/office/drawing/2017/decorative" val="1"/>
+              </a:ext>
+            </a:extLst>
+          </p:cNvPr>
+          <p:cNvSpPr>
+            <a:spLocks noGrp="1" noRot="1" noChangeAspect="1" noMove="1" noResize="1" noEditPoints="1" noAdjustHandles="1" noChangeArrowheads="1" noChangeShapeType="1" noTextEdit="1"/>
+          </p:cNvSpPr>
+          <p:nvPr>
+            <p:extLst>
+              <p:ext uri="{386F3935-93C4-4BCD-93E2-E3B085C9AB24}">
+                <p16:designElem xmlns:p16="http://schemas.microsoft.com/office/powerpoint/2015/main" val="1"/>
+              </p:ext>
+            </p:extLst>
+          </p:nvPr>
+        </p:nvSpPr>
+        <p:spPr>
+          <a:xfrm>
+            <a:off x="5913121" y="-2"/>
+            <a:ext cx="6278879" cy="6858002"/>
+          </a:xfrm>
+          <a:custGeom>
+            <a:avLst/>
+            <a:gdLst>
+              <a:gd name="connsiteX0" fmla="*/ 45572 w 6278879"/>
+              <a:gd name="connsiteY0" fmla="*/ 0 h 6858002"/>
+              <a:gd name="connsiteX1" fmla="*/ 6278879 w 6278879"/>
+              <a:gd name="connsiteY1" fmla="*/ 0 h 6858002"/>
+              <a:gd name="connsiteX2" fmla="*/ 6278879 w 6278879"/>
+              <a:gd name="connsiteY2" fmla="*/ 6858002 h 6858002"/>
+              <a:gd name="connsiteX3" fmla="*/ 3292308 w 6278879"/>
+              <a:gd name="connsiteY3" fmla="*/ 6858002 h 6858002"/>
+              <a:gd name="connsiteX4" fmla="*/ 3181526 w 6278879"/>
+              <a:gd name="connsiteY4" fmla="*/ 6786982 h 6858002"/>
+              <a:gd name="connsiteX5" fmla="*/ 0 w 6278879"/>
+              <a:gd name="connsiteY5" fmla="*/ 803254 h 6858002"/>
+              <a:gd name="connsiteX6" fmla="*/ 37255 w 6278879"/>
+              <a:gd name="connsiteY6" fmla="*/ 65447 h 6858002"/>
+            </a:gdLst>
+            <a:ahLst/>
+            <a:cxnLst>
+              <a:cxn ang="0">
+                <a:pos x="connsiteX0" y="connsiteY0"/>
+              </a:cxn>
+              <a:cxn ang="0">
+                <a:pos x="connsiteX1" y="connsiteY1"/>
+              </a:cxn>
+              <a:cxn ang="0">
+                <a:pos x="connsiteX2" y="connsiteY2"/>
+              </a:cxn>
+              <a:cxn ang="0">
+                <a:pos x="connsiteX3" y="connsiteY3"/>
+              </a:cxn>
+              <a:cxn ang="0">
+                <a:pos x="connsiteX4" y="connsiteY4"/>
+              </a:cxn>
+              <a:cxn ang="0">
+                <a:pos x="connsiteX5" y="connsiteY5"/>
+              </a:cxn>
+              <a:cxn ang="0">
+                <a:pos x="connsiteX6" y="connsiteY6"/>
+              </a:cxn>
+            </a:cxnLst>
+            <a:rect l="l" t="t" r="r" b="b"/>
+            <a:pathLst>
+              <a:path w="6278879" h="6858002">
+                <a:moveTo>
+                  <a:pt x="45572" y="0"/>
+                </a:moveTo>
+                <a:lnTo>
+                  <a:pt x="6278879" y="0"/>
+                </a:lnTo>
+                <a:lnTo>
+                  <a:pt x="6278879" y="6858002"/>
+                </a:lnTo>
+                <a:lnTo>
+                  <a:pt x="3292308" y="6858002"/>
+                </a:lnTo>
+                <a:lnTo>
+                  <a:pt x="3181526" y="6786982"/>
+                </a:lnTo>
+                <a:cubicBezTo>
+                  <a:pt x="1262021" y="5490191"/>
+                  <a:pt x="0" y="3294103"/>
+                  <a:pt x="0" y="803254"/>
+                </a:cubicBezTo>
+                <a:cubicBezTo>
+                  <a:pt x="0" y="554169"/>
+                  <a:pt x="12620" y="308032"/>
+                  <a:pt x="37255" y="65447"/>
+                </a:cubicBezTo>
+                <a:close/>
+              </a:path>
+            </a:pathLst>
+          </a:custGeom>
+          <a:solidFill>
+            <a:schemeClr val="bg1">
+              <a:lumMod val="85000"/>
+              <a:lumOff val="15000"/>
+              <a:alpha val="70000"/>
+            </a:schemeClr>
+          </a:solidFill>
+          <a:ln>
+            <a:noFill/>
+          </a:ln>
+        </p:spPr>
+        <p:style>
+          <a:lnRef idx="2">
+            <a:schemeClr val="accent1">
+              <a:shade val="50000"/>
+            </a:schemeClr>
+          </a:lnRef>
+          <a:fillRef idx="1">
+            <a:schemeClr val="accent1"/>
+          </a:fillRef>
+          <a:effectRef idx="0">
+            <a:schemeClr val="accent1"/>
+          </a:effectRef>
+          <a:fontRef idx="minor">
+            <a:schemeClr val="lt1"/>
+          </a:fontRef>
+        </p:style>
+        <p:txBody>
+          <a:bodyPr rtlCol="0" anchor="ctr"/>
+          <a:lstStyle/>
+          <a:p>
+            <a:pPr marL="0" marR="0" lvl="0" indent="0" algn="ctr" defTabSz="914400" rtl="0" eaLnBrk="1" fontAlgn="auto" latinLnBrk="0" hangingPunct="1">
+              <a:lnSpc>
+                <a:spcPct val="100000"/>
+              </a:lnSpc>
+              <a:spcBef>
+                <a:spcPts val="0"/>
+              </a:spcBef>
+              <a:spcAft>
+                <a:spcPts val="0"/>
+              </a:spcAft>
+              <a:buClrTx/>
+              <a:buSzTx/>
+              <a:buFontTx/>
+              <a:buNone/>
+              <a:tabLst/>
+              <a:defRPr/>
+            </a:pPr>
+            <a:endParaRPr kumimoji="0" lang="en-US" sz="1800" b="0" i="0" u="none" strike="noStrike" kern="1200" cap="none" spc="0" normalizeH="0" baseline="0" noProof="0">
+              <a:ln>
+                <a:noFill/>
+              </a:ln>
+              <a:solidFill>
+                <a:prstClr val="white"/>
+              </a:solidFill>
+              <a:effectLst/>
+              <a:uLnTx/>
+              <a:uFillTx/>
+              <a:latin typeface="Calibri" panose="020F0502020204030204"/>
+              <a:ea typeface="+mn-ea"/>
+              <a:cs typeface="+mn-cs"/>
+            </a:endParaRPr>
+          </a:p>
+        </p:txBody>
+      </p:sp>
+      <p:sp>
+        <p:nvSpPr>
+          <p:cNvPr id="2" name="Title 1">
+            <a:extLst>
+              <a:ext uri="{FF2B5EF4-FFF2-40B4-BE49-F238E27FC236}">
+                <a16:creationId xmlns:a16="http://schemas.microsoft.com/office/drawing/2014/main" id="{FC91D608-2AC0-41B2-AD9F-068B87E8E195}"/>
+              </a:ext>
+            </a:extLst>
+          </p:cNvPr>
+          <p:cNvSpPr>
+            <a:spLocks noGrp="1"/>
+          </p:cNvSpPr>
+          <p:nvPr>
+            <p:ph type="title"/>
+          </p:nvPr>
+        </p:nvSpPr>
+        <p:spPr>
+          <a:xfrm>
+            <a:off x="655320" y="365125"/>
+            <a:ext cx="9013052" cy="1623312"/>
+          </a:xfrm>
+        </p:spPr>
+        <p:txBody>
+          <a:bodyPr anchor="b">
+            <a:normAutofit/>
+          </a:bodyPr>
+          <a:lstStyle/>
+          <a:p>
+            <a:r>
+              <a:rPr lang="en-US" sz="4000" dirty="0"/>
+              <a:t>Barycentric coordinates</a:t>
+            </a:r>
+          </a:p>
+        </p:txBody>
+      </p:sp>
+      <p:cxnSp>
+        <p:nvCxnSpPr>
+          <p:cNvPr id="10" name="Straight Arrow Connector 9">
+            <a:extLst>
+              <a:ext uri="{FF2B5EF4-FFF2-40B4-BE49-F238E27FC236}">
+                <a16:creationId xmlns:a16="http://schemas.microsoft.com/office/drawing/2014/main" id="{B874EF51-C858-4BB9-97C3-D17755787127}"/>
+              </a:ext>
+              <a:ext uri="{C183D7F6-B498-43B3-948B-1728B52AA6E4}">
+                <adec:decorative xmlns:adec="http://schemas.microsoft.com/office/drawing/2017/decorative" val="1"/>
+              </a:ext>
+            </a:extLst>
+          </p:cNvPr>
+          <p:cNvCxnSpPr>
+            <a:cxnSpLocks noGrp="1" noRot="1" noChangeAspect="1" noMove="1" noResize="1" noEditPoints="1" noAdjustHandles="1" noChangeArrowheads="1" noChangeShapeType="1"/>
+          </p:cNvCxnSpPr>
+          <p:nvPr>
+            <p:extLst>
+              <p:ext uri="{386F3935-93C4-4BCD-93E2-E3B085C9AB24}">
+                <p16:designElem xmlns:p16="http://schemas.microsoft.com/office/powerpoint/2015/main" val="1"/>
+              </p:ext>
+            </p:extLst>
+          </p:nvPr>
+        </p:nvCxnSpPr>
+        <p:spPr>
+          <a:xfrm>
+            <a:off x="763661" y="2316480"/>
+            <a:ext cx="8229600" cy="0"/>
+          </a:xfrm>
+          <a:prstGeom prst="straightConnector1">
+            <a:avLst/>
+          </a:prstGeom>
+          <a:ln w="19050" cap="sq">
+            <a:solidFill>
+              <a:schemeClr val="tx1"/>
+            </a:solidFill>
+            <a:tailEnd type="none"/>
+          </a:ln>
+        </p:spPr>
+        <p:style>
+          <a:lnRef idx="1">
+            <a:schemeClr val="accent1"/>
+          </a:lnRef>
+          <a:fillRef idx="0">
+            <a:schemeClr val="accent1"/>
+          </a:fillRef>
+          <a:effectRef idx="0">
+            <a:schemeClr val="accent1"/>
+          </a:effectRef>
+          <a:fontRef idx="minor">
+            <a:schemeClr val="tx1"/>
+          </a:fontRef>
+        </p:style>
+      </p:cxnSp>
+      <p:sp>
+        <p:nvSpPr>
+          <p:cNvPr id="3" name="Content Placeholder 2">
+            <a:extLst>
+              <a:ext uri="{FF2B5EF4-FFF2-40B4-BE49-F238E27FC236}">
+                <a16:creationId xmlns:a16="http://schemas.microsoft.com/office/drawing/2014/main" id="{E286792B-9F02-4878-BBE2-FD60DAC51EE4}"/>
+              </a:ext>
+            </a:extLst>
+          </p:cNvPr>
+          <p:cNvSpPr>
+            <a:spLocks noGrp="1"/>
+          </p:cNvSpPr>
+          <p:nvPr>
+            <p:ph idx="1"/>
+          </p:nvPr>
+        </p:nvSpPr>
+        <p:spPr>
+          <a:xfrm>
+            <a:off x="655320" y="2644518"/>
+            <a:ext cx="9013052" cy="3327251"/>
+          </a:xfrm>
+        </p:spPr>
+        <p:txBody>
+          <a:bodyPr>
+            <a:normAutofit/>
+          </a:bodyPr>
+          <a:lstStyle/>
+          <a:p>
+            <a:r>
+              <a:rPr lang="en-US" sz="2000" dirty="0"/>
+              <a:t>Weighted position based on triangle vertices</a:t>
+            </a:r>
+          </a:p>
+          <a:p>
+            <a:r>
+              <a:rPr lang="en-US" sz="2000" dirty="0"/>
+              <a:t>Used for </a:t>
+            </a:r>
+            <a:r>
+              <a:rPr lang="en-US" sz="2000" dirty="0" err="1"/>
+              <a:t>z-buffer</a:t>
+            </a:r>
+            <a:r>
+              <a:rPr lang="en-US" sz="2000" dirty="0"/>
+              <a:t> and mapping images</a:t>
+            </a:r>
+          </a:p>
+          <a:p>
+            <a:r>
+              <a:rPr lang="en-US" sz="2000" dirty="0"/>
+              <a:t>Also used for normal and bump mapping</a:t>
+            </a:r>
+          </a:p>
+        </p:txBody>
+      </p:sp>
+    </p:spTree>
+    <p:extLst>
+      <p:ext uri="{BB962C8B-B14F-4D97-AF65-F5344CB8AC3E}">
+        <p14:creationId xmlns:p14="http://schemas.microsoft.com/office/powerpoint/2010/main" val="1984839237"/>
       </p:ext>
     </p:extLst>
   </p:cSld>

--- a/Computer Graphics Chapter 7 Presentation.pptx
+++ b/Computer Graphics Chapter 7 Presentation.pptx
@@ -5973,8 +5973,8 @@
           </a:fontRef>
         </p:style>
       </p:cxnSp>
-      <mc:AlternateContent xmlns:mc="http://schemas.openxmlformats.org/markup-compatibility/2006" xmlns:a14="http://schemas.microsoft.com/office/drawing/2010/main">
-        <mc:Choice Requires="a14">
+      <mc:AlternateContent xmlns:mc="http://schemas.openxmlformats.org/markup-compatibility/2006">
+        <mc:Choice xmlns:a14="http://schemas.microsoft.com/office/drawing/2010/main" Requires="a14">
           <p:sp>
             <p:nvSpPr>
               <p:cNvPr id="3" name="Content Placeholder 2">
@@ -6003,12 +6003,6 @@
               </a:bodyPr>
               <a:lstStyle/>
               <a:p>
-                <a:r>
-                  <a:rPr lang="en-US" sz="2000" dirty="0"/>
-                  <a:t>Calculation for ray casting</a:t>
-                </a:r>
-              </a:p>
-              <a:p>
                 <a14:m>
                   <m:oMath xmlns:m="http://schemas.openxmlformats.org/officeDocument/2006/math">
                     <m:r>
@@ -6035,7 +6029,7 @@
             </p:txBody>
           </p:sp>
         </mc:Choice>
-        <mc:Fallback xmlns="">
+        <mc:Fallback>
           <p:sp>
             <p:nvSpPr>
               <p:cNvPr id="3" name="Content Placeholder 2">
@@ -6058,7 +6052,7 @@
                 <a:ext cx="9013052" cy="3327251"/>
               </a:xfrm>
               <a:blipFill>
-                <a:blip r:embed="rId4"/>
+                <a:blip r:embed="rId2"/>
                 <a:stretch>
                   <a:fillRect l="-609" t="-2015"/>
                 </a:stretch>
